--- a/Assembling_the_PEs/Gravitywaves.pptx
+++ b/Assembling_the_PEs/Gravitywaves.pptx
@@ -7,7 +7,7 @@
     <p:sldMasterId id="2147483662" r:id="rId3"/>
   </p:sldMasterIdLst>
   <p:notesMasterIdLst>
-    <p:notesMasterId r:id="rId34"/>
+    <p:notesMasterId r:id="rId35"/>
   </p:notesMasterIdLst>
   <p:sldIdLst>
     <p:sldId id="344" r:id="rId4"/>
@@ -15,31 +15,32 @@
     <p:sldId id="343" r:id="rId6"/>
     <p:sldId id="342" r:id="rId7"/>
     <p:sldId id="263" r:id="rId8"/>
-    <p:sldId id="271" r:id="rId9"/>
-    <p:sldId id="258" r:id="rId10"/>
-    <p:sldId id="269" r:id="rId11"/>
-    <p:sldId id="270" r:id="rId12"/>
-    <p:sldId id="261" r:id="rId13"/>
-    <p:sldId id="265" r:id="rId14"/>
-    <p:sldId id="264" r:id="rId15"/>
-    <p:sldId id="266" r:id="rId16"/>
-    <p:sldId id="272" r:id="rId17"/>
-    <p:sldId id="276" r:id="rId18"/>
-    <p:sldId id="273" r:id="rId19"/>
-    <p:sldId id="262" r:id="rId20"/>
-    <p:sldId id="274" r:id="rId21"/>
-    <p:sldId id="277" r:id="rId22"/>
-    <p:sldId id="339" r:id="rId23"/>
-    <p:sldId id="338" r:id="rId24"/>
-    <p:sldId id="293" r:id="rId25"/>
-    <p:sldId id="287" r:id="rId26"/>
-    <p:sldId id="288" r:id="rId27"/>
-    <p:sldId id="289" r:id="rId28"/>
-    <p:sldId id="290" r:id="rId29"/>
-    <p:sldId id="297" r:id="rId30"/>
-    <p:sldId id="284" r:id="rId31"/>
-    <p:sldId id="286" r:id="rId32"/>
-    <p:sldId id="341" r:id="rId33"/>
+    <p:sldId id="346" r:id="rId9"/>
+    <p:sldId id="271" r:id="rId10"/>
+    <p:sldId id="258" r:id="rId11"/>
+    <p:sldId id="269" r:id="rId12"/>
+    <p:sldId id="270" r:id="rId13"/>
+    <p:sldId id="261" r:id="rId14"/>
+    <p:sldId id="265" r:id="rId15"/>
+    <p:sldId id="264" r:id="rId16"/>
+    <p:sldId id="266" r:id="rId17"/>
+    <p:sldId id="272" r:id="rId18"/>
+    <p:sldId id="276" r:id="rId19"/>
+    <p:sldId id="273" r:id="rId20"/>
+    <p:sldId id="262" r:id="rId21"/>
+    <p:sldId id="274" r:id="rId22"/>
+    <p:sldId id="277" r:id="rId23"/>
+    <p:sldId id="339" r:id="rId24"/>
+    <p:sldId id="338" r:id="rId25"/>
+    <p:sldId id="293" r:id="rId26"/>
+    <p:sldId id="287" r:id="rId27"/>
+    <p:sldId id="288" r:id="rId28"/>
+    <p:sldId id="289" r:id="rId29"/>
+    <p:sldId id="290" r:id="rId30"/>
+    <p:sldId id="297" r:id="rId31"/>
+    <p:sldId id="284" r:id="rId32"/>
+    <p:sldId id="286" r:id="rId33"/>
+    <p:sldId id="341" r:id="rId34"/>
   </p:sldIdLst>
   <p:sldSz cx="9144000" cy="6858000" type="screen4x3"/>
   <p:notesSz cx="6858000" cy="9144000"/>
@@ -542,7 +543,7 @@
             <a:fld id="{B5CAF442-A0C3-BD45-B07C-0F706D972FA7}" type="slidenum">
               <a:rPr lang="en-US"/>
               <a:pPr/>
-              <a:t>20</a:t>
+              <a:t>21</a:t>
             </a:fld>
             <a:endParaRPr lang="en-US"/>
           </a:p>
@@ -666,7 +667,7 @@
             <a:fld id="{CE2A1C66-91FD-0B4A-ACC0-2AB18DDCB3D3}" type="slidenum">
               <a:rPr lang="en-US"/>
               <a:pPr/>
-              <a:t>21</a:t>
+              <a:t>22</a:t>
             </a:fld>
             <a:endParaRPr lang="en-US"/>
           </a:p>
@@ -754,7 +755,7 @@
                 </a:solidFill>
               </a:rPr>
               <a:pPr/>
-              <a:t>22</a:t>
+              <a:t>23</a:t>
             </a:fld>
             <a:endParaRPr lang="en-US">
               <a:solidFill>
@@ -846,7 +847,7 @@
                 </a:solidFill>
               </a:rPr>
               <a:pPr/>
-              <a:t>23</a:t>
+              <a:t>24</a:t>
             </a:fld>
             <a:endParaRPr lang="en-US">
               <a:solidFill>
@@ -938,7 +939,7 @@
                 </a:solidFill>
               </a:rPr>
               <a:pPr/>
-              <a:t>24</a:t>
+              <a:t>25</a:t>
             </a:fld>
             <a:endParaRPr lang="en-US">
               <a:solidFill>
@@ -1030,7 +1031,7 @@
                 </a:solidFill>
               </a:rPr>
               <a:pPr/>
-              <a:t>25</a:t>
+              <a:t>26</a:t>
             </a:fld>
             <a:endParaRPr lang="en-US">
               <a:solidFill>
@@ -1122,7 +1123,7 @@
                 </a:solidFill>
               </a:rPr>
               <a:pPr/>
-              <a:t>26</a:t>
+              <a:t>27</a:t>
             </a:fld>
             <a:endParaRPr lang="en-US">
               <a:solidFill>
@@ -1214,7 +1215,7 @@
                 </a:solidFill>
               </a:rPr>
               <a:pPr/>
-              <a:t>27</a:t>
+              <a:t>28</a:t>
             </a:fld>
             <a:endParaRPr lang="en-US">
               <a:solidFill>
@@ -1306,7 +1307,7 @@
                 <a:cs typeface="ＭＳ Ｐゴシック" pitchFamily="-109" charset="-128"/>
               </a:rPr>
               <a:pPr/>
-              <a:t>30</a:t>
+              <a:t>31</a:t>
             </a:fld>
             <a:endParaRPr lang="en-US">
               <a:latin typeface="Arial" pitchFamily="-109" charset="0"/>
@@ -6457,6 +6458,36 @@
           </a:p>
         </p:txBody>
       </p:sp>
+      <p:pic>
+        <p:nvPicPr>
+          <p:cNvPr id="4" name="Picture 3">
+            <a:extLst>
+              <a:ext uri="{FF2B5EF4-FFF2-40B4-BE49-F238E27FC236}">
+                <a16:creationId xmlns:a16="http://schemas.microsoft.com/office/drawing/2014/main" id="{A1897E6F-2FD9-7B8A-288E-791CCAE2B659}"/>
+              </a:ext>
+            </a:extLst>
+          </p:cNvPr>
+          <p:cNvPicPr>
+            <a:picLocks noChangeAspect="1"/>
+          </p:cNvPicPr>
+          <p:nvPr/>
+        </p:nvPicPr>
+        <p:blipFill>
+          <a:blip r:embed="rId2"/>
+          <a:stretch>
+            <a:fillRect/>
+          </a:stretch>
+        </p:blipFill>
+        <p:spPr>
+          <a:xfrm>
+            <a:off x="2076450" y="2184400"/>
+            <a:ext cx="4991100" cy="2489200"/>
+          </a:xfrm>
+          <a:prstGeom prst="rect">
+            <a:avLst/>
+          </a:prstGeom>
+        </p:spPr>
+      </p:pic>
     </p:spTree>
     <p:extLst>
       <p:ext uri="{BB962C8B-B14F-4D97-AF65-F5344CB8AC3E}">
@@ -6471,6 +6502,202 @@
 </file>
 
 <file path=ppt/slides/slide10.xml><?xml version="1.0" encoding="utf-8"?>
+<p:sld xmlns:a="http://schemas.openxmlformats.org/drawingml/2006/main" xmlns:r="http://schemas.openxmlformats.org/officeDocument/2006/relationships" xmlns:p="http://schemas.openxmlformats.org/presentationml/2006/main">
+  <p:cSld>
+    <p:spTree>
+      <p:nvGrpSpPr>
+        <p:cNvPr id="1" name=""/>
+        <p:cNvGrpSpPr/>
+        <p:nvPr/>
+      </p:nvGrpSpPr>
+      <p:grpSpPr>
+        <a:xfrm>
+          <a:off x="0" y="0"/>
+          <a:ext cx="0" cy="0"/>
+          <a:chOff x="0" y="0"/>
+          <a:chExt cx="0" cy="0"/>
+        </a:xfrm>
+      </p:grpSpPr>
+      <p:sp>
+        <p:nvSpPr>
+          <p:cNvPr id="2" name="Title 1"/>
+          <p:cNvSpPr>
+            <a:spLocks noGrp="1"/>
+          </p:cNvSpPr>
+          <p:nvPr>
+            <p:ph type="title"/>
+          </p:nvPr>
+        </p:nvSpPr>
+        <p:spPr>
+          <a:xfrm>
+            <a:off x="457200" y="0"/>
+            <a:ext cx="8229600" cy="894099"/>
+          </a:xfrm>
+        </p:spPr>
+        <p:txBody>
+          <a:bodyPr/>
+          <a:lstStyle/>
+          <a:p>
+            <a:r>
+              <a:rPr lang="en-US"/>
+              <a:t>Inertio-gravity waves</a:t>
+            </a:r>
+          </a:p>
+        </p:txBody>
+      </p:sp>
+      <p:sp>
+        <p:nvSpPr>
+          <p:cNvPr id="3" name="Content Placeholder 2"/>
+          <p:cNvSpPr>
+            <a:spLocks noGrp="1"/>
+          </p:cNvSpPr>
+          <p:nvPr>
+            <p:ph idx="1"/>
+          </p:nvPr>
+        </p:nvSpPr>
+        <p:spPr>
+          <a:xfrm>
+            <a:off x="457200" y="894100"/>
+            <a:ext cx="8229600" cy="2941456"/>
+          </a:xfrm>
+        </p:spPr>
+        <p:txBody>
+          <a:bodyPr>
+            <a:normAutofit fontScale="70000" lnSpcReduction="20000"/>
+          </a:bodyPr>
+          <a:lstStyle/>
+          <a:p>
+            <a:r>
+              <a:rPr lang="en-GB"/>
+              <a:t>These rather forbidding equations hide a pleasing elegance to the gravity-wave solutions which become more evident if x is taken to be the direction of propagation of the wave. Then ℓ=0 and V = -iUf/ω. V and U are in quadrature, causing the wind vector to rotate elliptically – clockwise for upward energy propagation and anticlockwise for downward. For oscillations near to the inertial frequency (which are common in the lower stratosphere) the ellipses are nearly circles, as shown in the example below measured by a VHF radar at Aberystwyth, Wales.</a:t>
+            </a:r>
+            <a:endParaRPr lang="en-US"/>
+          </a:p>
+          <a:p>
+            <a:endParaRPr lang="en-US"/>
+          </a:p>
+        </p:txBody>
+      </p:sp>
+      <p:graphicFrame>
+        <p:nvGraphicFramePr>
+          <p:cNvPr id="30722" name="Object 2"/>
+          <p:cNvGraphicFramePr>
+            <a:graphicFrameLocks noChangeAspect="1"/>
+          </p:cNvGraphicFramePr>
+          <p:nvPr/>
+        </p:nvGraphicFramePr>
+        <p:xfrm>
+          <a:off x="2835228" y="3528972"/>
+          <a:ext cx="3358632" cy="3238323"/>
+        </p:xfrm>
+        <a:graphic>
+          <a:graphicData uri="http://schemas.openxmlformats.org/presentationml/2006/ole">
+            <mc:AlternateContent xmlns:mc="http://schemas.openxmlformats.org/markup-compatibility/2006">
+              <mc:Choice xmlns:v="urn:schemas-microsoft-com:vml" Requires="v">
+                <p:oleObj name="Document" r:id="rId2" imgW="4254500" imgH="4102100" progId="Word.Document.12">
+                  <p:link updateAutomatic="1"/>
+                </p:oleObj>
+              </mc:Choice>
+              <mc:Fallback>
+                <p:oleObj name="Document" r:id="rId2" imgW="4254500" imgH="4102100" progId="Word.Document.12">
+                  <p:link updateAutomatic="1"/>
+                  <p:pic>
+                    <p:nvPicPr>
+                      <p:cNvPr id="0" name="Picture 2"/>
+                      <p:cNvPicPr>
+                        <a:picLocks noChangeAspect="1" noChangeArrowheads="1"/>
+                      </p:cNvPicPr>
+                      <p:nvPr/>
+                    </p:nvPicPr>
+                    <p:blipFill>
+                      <a:blip r:embed="rId3">
+                        <a:extLst>
+                          <a:ext uri="{28A0092B-C50C-407E-A947-70E740481C1C}">
+                            <a14:useLocalDpi xmlns:a14="http://schemas.microsoft.com/office/drawing/2010/main" val="0"/>
+                          </a:ext>
+                        </a:extLst>
+                      </a:blip>
+                      <a:srcRect/>
+                      <a:stretch>
+                        <a:fillRect/>
+                      </a:stretch>
+                    </p:blipFill>
+                    <p:spPr bwMode="auto">
+                      <a:xfrm>
+                        <a:off x="2835228" y="3528972"/>
+                        <a:ext cx="3358632" cy="3238323"/>
+                      </a:xfrm>
+                      <a:prstGeom prst="rect">
+                        <a:avLst/>
+                      </a:prstGeom>
+                      <a:noFill/>
+                      <a:ln>
+                        <a:noFill/>
+                      </a:ln>
+                      <a:extLst>
+                        <a:ext uri="{909E8E84-426E-40DD-AFC4-6F175D3DCCD1}">
+                          <a14:hiddenFill xmlns:a14="http://schemas.microsoft.com/office/drawing/2010/main">
+                            <a:solidFill>
+                              <a:schemeClr val="accent1"/>
+                            </a:solidFill>
+                          </a14:hiddenFill>
+                        </a:ext>
+                        <a:ext uri="{91240B29-F687-4F45-9708-019B960494DF}">
+                          <a14:hiddenLine xmlns:a14="http://schemas.microsoft.com/office/drawing/2010/main" w="9525">
+                            <a:solidFill>
+                              <a:schemeClr val="tx1"/>
+                            </a:solidFill>
+                            <a:miter lim="800000"/>
+                            <a:headEnd/>
+                            <a:tailEnd/>
+                          </a14:hiddenLine>
+                        </a:ext>
+                      </a:extLst>
+                    </p:spPr>
+                  </p:pic>
+                </p:oleObj>
+              </mc:Fallback>
+            </mc:AlternateContent>
+          </a:graphicData>
+        </a:graphic>
+      </p:graphicFrame>
+      <p:sp>
+        <p:nvSpPr>
+          <p:cNvPr id="5" name="Rectangle 4"/>
+          <p:cNvSpPr/>
+          <p:nvPr/>
+        </p:nvSpPr>
+        <p:spPr>
+          <a:xfrm>
+            <a:off x="6941986" y="5999535"/>
+            <a:ext cx="1744814" cy="369332"/>
+          </a:xfrm>
+          <a:prstGeom prst="rect">
+            <a:avLst/>
+          </a:prstGeom>
+        </p:spPr>
+        <p:txBody>
+          <a:bodyPr wrap="none">
+            <a:spAutoFit/>
+          </a:bodyPr>
+          <a:lstStyle/>
+          <a:p>
+            <a:r>
+              <a:rPr lang="en-US"/>
+              <a:t>Geraint Vaughan</a:t>
+            </a:r>
+          </a:p>
+        </p:txBody>
+      </p:sp>
+    </p:spTree>
+  </p:cSld>
+  <p:clrMapOvr>
+    <a:masterClrMapping/>
+  </p:clrMapOvr>
+</p:sld>
+</file>
+
+<file path=ppt/slides/slide11.xml><?xml version="1.0" encoding="utf-8"?>
 <p:sld xmlns:a="http://schemas.openxmlformats.org/drawingml/2006/main" xmlns:r="http://schemas.openxmlformats.org/officeDocument/2006/relationships" xmlns:p="http://schemas.openxmlformats.org/presentationml/2006/main">
   <p:cSld>
     <p:spTree>
@@ -6681,7 +6908,7 @@
 </p:sld>
 </file>
 
-<file path=ppt/slides/slide11.xml><?xml version="1.0" encoding="utf-8"?>
+<file path=ppt/slides/slide12.xml><?xml version="1.0" encoding="utf-8"?>
 <p:sld xmlns:a="http://schemas.openxmlformats.org/drawingml/2006/main" xmlns:r="http://schemas.openxmlformats.org/officeDocument/2006/relationships" xmlns:p="http://schemas.openxmlformats.org/presentationml/2006/main">
   <p:cSld>
     <p:spTree>
@@ -6872,7 +7099,7 @@
 </p:sld>
 </file>
 
-<file path=ppt/slides/slide12.xml><?xml version="1.0" encoding="utf-8"?>
+<file path=ppt/slides/slide13.xml><?xml version="1.0" encoding="utf-8"?>
 <p:sld xmlns:a="http://schemas.openxmlformats.org/drawingml/2006/main" xmlns:r="http://schemas.openxmlformats.org/officeDocument/2006/relationships" xmlns:p="http://schemas.openxmlformats.org/presentationml/2006/main">
   <p:cSld>
     <p:spTree>
@@ -6995,7 +7222,7 @@
 </p:sld>
 </file>
 
-<file path=ppt/slides/slide13.xml><?xml version="1.0" encoding="utf-8"?>
+<file path=ppt/slides/slide14.xml><?xml version="1.0" encoding="utf-8"?>
 <p:sld xmlns:a="http://schemas.openxmlformats.org/drawingml/2006/main" xmlns:r="http://schemas.openxmlformats.org/officeDocument/2006/relationships" xmlns:p="http://schemas.openxmlformats.org/presentationml/2006/main">
   <p:cSld>
     <p:spTree>
@@ -7097,7 +7324,7 @@
 </p:sld>
 </file>
 
-<file path=ppt/slides/slide14.xml><?xml version="1.0" encoding="utf-8"?>
+<file path=ppt/slides/slide15.xml><?xml version="1.0" encoding="utf-8"?>
 <p:sld xmlns:a="http://schemas.openxmlformats.org/drawingml/2006/main" xmlns:r="http://schemas.openxmlformats.org/officeDocument/2006/relationships" xmlns:p="http://schemas.openxmlformats.org/presentationml/2006/main">
   <p:cSld>
     <p:spTree>
@@ -7322,7 +7549,7 @@
 </p:sld>
 </file>
 
-<file path=ppt/slides/slide15.xml><?xml version="1.0" encoding="utf-8"?>
+<file path=ppt/slides/slide16.xml><?xml version="1.0" encoding="utf-8"?>
 <p:sld xmlns:a="http://schemas.openxmlformats.org/drawingml/2006/main" xmlns:r="http://schemas.openxmlformats.org/officeDocument/2006/relationships" xmlns:p="http://schemas.openxmlformats.org/presentationml/2006/main">
   <p:cSld>
     <p:spTree>
@@ -7457,7 +7684,7 @@
 </p:sld>
 </file>
 
-<file path=ppt/slides/slide16.xml><?xml version="1.0" encoding="utf-8"?>
+<file path=ppt/slides/slide17.xml><?xml version="1.0" encoding="utf-8"?>
 <p:sld xmlns:a="http://schemas.openxmlformats.org/drawingml/2006/main" xmlns:r="http://schemas.openxmlformats.org/officeDocument/2006/relationships" xmlns:p="http://schemas.openxmlformats.org/presentationml/2006/main">
   <p:cSld>
     <p:spTree>
@@ -7630,7 +7857,7 @@
 </p:sld>
 </file>
 
-<file path=ppt/slides/slide17.xml><?xml version="1.0" encoding="utf-8"?>
+<file path=ppt/slides/slide18.xml><?xml version="1.0" encoding="utf-8"?>
 <p:sld xmlns:a="http://schemas.openxmlformats.org/drawingml/2006/main" xmlns:r="http://schemas.openxmlformats.org/officeDocument/2006/relationships" xmlns:p="http://schemas.openxmlformats.org/presentationml/2006/main">
   <p:cSld>
     <p:spTree>
@@ -7854,7 +8081,7 @@
 </p:sld>
 </file>
 
-<file path=ppt/slides/slide18.xml><?xml version="1.0" encoding="utf-8"?>
+<file path=ppt/slides/slide19.xml><?xml version="1.0" encoding="utf-8"?>
 <p:sld xmlns:a="http://schemas.openxmlformats.org/drawingml/2006/main" xmlns:r="http://schemas.openxmlformats.org/officeDocument/2006/relationships" xmlns:p="http://schemas.openxmlformats.org/presentationml/2006/main">
   <p:cSld>
     <p:spTree>
@@ -7982,7 +8209,102 @@
 </p:sld>
 </file>
 
-<file path=ppt/slides/slide19.xml><?xml version="1.0" encoding="utf-8"?>
+<file path=ppt/slides/slide2.xml><?xml version="1.0" encoding="utf-8"?>
+<p:sld xmlns:a="http://schemas.openxmlformats.org/drawingml/2006/main" xmlns:r="http://schemas.openxmlformats.org/officeDocument/2006/relationships" xmlns:p="http://schemas.openxmlformats.org/presentationml/2006/main">
+  <p:cSld>
+    <p:spTree>
+      <p:nvGrpSpPr>
+        <p:cNvPr id="1" name=""/>
+        <p:cNvGrpSpPr/>
+        <p:nvPr/>
+      </p:nvGrpSpPr>
+      <p:grpSpPr>
+        <a:xfrm>
+          <a:off x="0" y="0"/>
+          <a:ext cx="0" cy="0"/>
+          <a:chOff x="0" y="0"/>
+          <a:chExt cx="0" cy="0"/>
+        </a:xfrm>
+      </p:grpSpPr>
+      <p:sp>
+        <p:nvSpPr>
+          <p:cNvPr id="2" name="Title 1">
+            <a:extLst>
+              <a:ext uri="{FF2B5EF4-FFF2-40B4-BE49-F238E27FC236}">
+                <a16:creationId xmlns:a16="http://schemas.microsoft.com/office/drawing/2014/main" id="{EAAFE8A4-EAC3-0953-B9CB-9AB39A0D92A7}"/>
+              </a:ext>
+            </a:extLst>
+          </p:cNvPr>
+          <p:cNvSpPr>
+            <a:spLocks noGrp="1"/>
+          </p:cNvSpPr>
+          <p:nvPr>
+            <p:ph type="title"/>
+          </p:nvPr>
+        </p:nvSpPr>
+        <p:spPr/>
+        <p:txBody>
+          <a:bodyPr/>
+          <a:lstStyle/>
+          <a:p>
+            <a:r>
+              <a:rPr lang="en-US"/>
+              <a:t>This ppt a shorter version of </a:t>
+            </a:r>
+          </a:p>
+        </p:txBody>
+      </p:sp>
+      <p:sp>
+        <p:nvSpPr>
+          <p:cNvPr id="3" name="Content Placeholder 2">
+            <a:extLst>
+              <a:ext uri="{FF2B5EF4-FFF2-40B4-BE49-F238E27FC236}">
+                <a16:creationId xmlns:a16="http://schemas.microsoft.com/office/drawing/2014/main" id="{151B7234-C972-9C8B-82E4-B899C3A62B05}"/>
+              </a:ext>
+            </a:extLst>
+          </p:cNvPr>
+          <p:cNvSpPr>
+            <a:spLocks noGrp="1"/>
+          </p:cNvSpPr>
+          <p:nvPr>
+            <p:ph idx="1"/>
+          </p:nvPr>
+        </p:nvSpPr>
+        <p:spPr/>
+        <p:txBody>
+          <a:bodyPr/>
+          <a:lstStyle/>
+          <a:p>
+            <a:r>
+              <a:rPr lang="en-US">
+                <a:hlinkClick r:id="rId2"/>
+              </a:rPr>
+              <a:t>https://miami.box.com/s/diw2d1gluypougxhjy0f3qj8dra2t0ru</a:t>
+            </a:r>
+            <a:endParaRPr lang="en-US"/>
+          </a:p>
+          <a:p>
+            <a:endParaRPr lang="en-US"/>
+          </a:p>
+          <a:p>
+            <a:endParaRPr lang="en-US"/>
+          </a:p>
+        </p:txBody>
+      </p:sp>
+    </p:spTree>
+    <p:extLst>
+      <p:ext uri="{BB962C8B-B14F-4D97-AF65-F5344CB8AC3E}">
+        <p14:creationId xmlns:p14="http://schemas.microsoft.com/office/powerpoint/2010/main" val="720156633"/>
+      </p:ext>
+    </p:extLst>
+  </p:cSld>
+  <p:clrMapOvr>
+    <a:masterClrMapping/>
+  </p:clrMapOvr>
+</p:sld>
+</file>
+
+<file path=ppt/slides/slide20.xml><?xml version="1.0" encoding="utf-8"?>
 <p:sld xmlns:a="http://schemas.openxmlformats.org/drawingml/2006/main" xmlns:r="http://schemas.openxmlformats.org/officeDocument/2006/relationships" xmlns:p="http://schemas.openxmlformats.org/presentationml/2006/main">
   <p:cSld>
     <p:spTree>
@@ -8145,102 +8467,7 @@
 </p:sld>
 </file>
 
-<file path=ppt/slides/slide2.xml><?xml version="1.0" encoding="utf-8"?>
-<p:sld xmlns:a="http://schemas.openxmlformats.org/drawingml/2006/main" xmlns:r="http://schemas.openxmlformats.org/officeDocument/2006/relationships" xmlns:p="http://schemas.openxmlformats.org/presentationml/2006/main">
-  <p:cSld>
-    <p:spTree>
-      <p:nvGrpSpPr>
-        <p:cNvPr id="1" name=""/>
-        <p:cNvGrpSpPr/>
-        <p:nvPr/>
-      </p:nvGrpSpPr>
-      <p:grpSpPr>
-        <a:xfrm>
-          <a:off x="0" y="0"/>
-          <a:ext cx="0" cy="0"/>
-          <a:chOff x="0" y="0"/>
-          <a:chExt cx="0" cy="0"/>
-        </a:xfrm>
-      </p:grpSpPr>
-      <p:sp>
-        <p:nvSpPr>
-          <p:cNvPr id="2" name="Title 1">
-            <a:extLst>
-              <a:ext uri="{FF2B5EF4-FFF2-40B4-BE49-F238E27FC236}">
-                <a16:creationId xmlns:a16="http://schemas.microsoft.com/office/drawing/2014/main" id="{EAAFE8A4-EAC3-0953-B9CB-9AB39A0D92A7}"/>
-              </a:ext>
-            </a:extLst>
-          </p:cNvPr>
-          <p:cNvSpPr>
-            <a:spLocks noGrp="1"/>
-          </p:cNvSpPr>
-          <p:nvPr>
-            <p:ph type="title"/>
-          </p:nvPr>
-        </p:nvSpPr>
-        <p:spPr/>
-        <p:txBody>
-          <a:bodyPr/>
-          <a:lstStyle/>
-          <a:p>
-            <a:r>
-              <a:rPr lang="en-US"/>
-              <a:t>This ppt a shorter version of </a:t>
-            </a:r>
-          </a:p>
-        </p:txBody>
-      </p:sp>
-      <p:sp>
-        <p:nvSpPr>
-          <p:cNvPr id="3" name="Content Placeholder 2">
-            <a:extLst>
-              <a:ext uri="{FF2B5EF4-FFF2-40B4-BE49-F238E27FC236}">
-                <a16:creationId xmlns:a16="http://schemas.microsoft.com/office/drawing/2014/main" id="{151B7234-C972-9C8B-82E4-B899C3A62B05}"/>
-              </a:ext>
-            </a:extLst>
-          </p:cNvPr>
-          <p:cNvSpPr>
-            <a:spLocks noGrp="1"/>
-          </p:cNvSpPr>
-          <p:nvPr>
-            <p:ph idx="1"/>
-          </p:nvPr>
-        </p:nvSpPr>
-        <p:spPr/>
-        <p:txBody>
-          <a:bodyPr/>
-          <a:lstStyle/>
-          <a:p>
-            <a:r>
-              <a:rPr lang="en-US">
-                <a:hlinkClick r:id="rId2"/>
-              </a:rPr>
-              <a:t>https://miami.box.com/s/diw2d1gluypougxhjy0f3qj8dra2t0ru</a:t>
-            </a:r>
-            <a:endParaRPr lang="en-US"/>
-          </a:p>
-          <a:p>
-            <a:endParaRPr lang="en-US"/>
-          </a:p>
-          <a:p>
-            <a:endParaRPr lang="en-US"/>
-          </a:p>
-        </p:txBody>
-      </p:sp>
-    </p:spTree>
-    <p:extLst>
-      <p:ext uri="{BB962C8B-B14F-4D97-AF65-F5344CB8AC3E}">
-        <p14:creationId xmlns:p14="http://schemas.microsoft.com/office/powerpoint/2010/main" val="720156633"/>
-      </p:ext>
-    </p:extLst>
-  </p:cSld>
-  <p:clrMapOvr>
-    <a:masterClrMapping/>
-  </p:clrMapOvr>
-</p:sld>
-</file>
-
-<file path=ppt/slides/slide20.xml><?xml version="1.0" encoding="utf-8"?>
+<file path=ppt/slides/slide21.xml><?xml version="1.0" encoding="utf-8"?>
 <p:sld xmlns:a="http://schemas.openxmlformats.org/drawingml/2006/main" xmlns:r="http://schemas.openxmlformats.org/officeDocument/2006/relationships" xmlns:p="http://schemas.openxmlformats.org/presentationml/2006/main">
   <p:cSld>
     <p:spTree>
@@ -8650,7 +8877,7 @@
 </p:sld>
 </file>
 
-<file path=ppt/slides/slide21.xml><?xml version="1.0" encoding="utf-8"?>
+<file path=ppt/slides/slide22.xml><?xml version="1.0" encoding="utf-8"?>
 <p:sld xmlns:a="http://schemas.openxmlformats.org/drawingml/2006/main" xmlns:r="http://schemas.openxmlformats.org/officeDocument/2006/relationships" xmlns:p="http://schemas.openxmlformats.org/presentationml/2006/main">
   <p:cSld>
     <p:spTree>
@@ -8752,7 +8979,7 @@
 </p:sld>
 </file>
 
-<file path=ppt/slides/slide22.xml><?xml version="1.0" encoding="utf-8"?>
+<file path=ppt/slides/slide23.xml><?xml version="1.0" encoding="utf-8"?>
 <p:sld xmlns:a="http://schemas.openxmlformats.org/drawingml/2006/main" xmlns:r="http://schemas.openxmlformats.org/officeDocument/2006/relationships" xmlns:p="http://schemas.openxmlformats.org/presentationml/2006/main">
   <p:cSld>
     <p:spTree>
@@ -9981,7 +10208,7 @@
 </p:sld>
 </file>
 
-<file path=ppt/slides/slide23.xml><?xml version="1.0" encoding="utf-8"?>
+<file path=ppt/slides/slide24.xml><?xml version="1.0" encoding="utf-8"?>
 <p:sld xmlns:a="http://schemas.openxmlformats.org/drawingml/2006/main" xmlns:r="http://schemas.openxmlformats.org/officeDocument/2006/relationships" xmlns:p="http://schemas.openxmlformats.org/presentationml/2006/main">
   <p:cSld>
     <p:spTree>
@@ -16591,7 +16818,7 @@
 </p:sld>
 </file>
 
-<file path=ppt/slides/slide24.xml><?xml version="1.0" encoding="utf-8"?>
+<file path=ppt/slides/slide25.xml><?xml version="1.0" encoding="utf-8"?>
 <p:sld xmlns:a="http://schemas.openxmlformats.org/drawingml/2006/main" xmlns:r="http://schemas.openxmlformats.org/officeDocument/2006/relationships" xmlns:p="http://schemas.openxmlformats.org/presentationml/2006/main">
   <p:cSld>
     <p:spTree>
@@ -21105,7 +21332,7 @@
 </p:sld>
 </file>
 
-<file path=ppt/slides/slide25.xml><?xml version="1.0" encoding="utf-8"?>
+<file path=ppt/slides/slide26.xml><?xml version="1.0" encoding="utf-8"?>
 <p:sld xmlns:a="http://schemas.openxmlformats.org/drawingml/2006/main" xmlns:r="http://schemas.openxmlformats.org/officeDocument/2006/relationships" xmlns:p="http://schemas.openxmlformats.org/presentationml/2006/main">
   <p:cSld>
     <p:spTree>
@@ -24738,7 +24965,7 @@
 </p:sld>
 </file>
 
-<file path=ppt/slides/slide26.xml><?xml version="1.0" encoding="utf-8"?>
+<file path=ppt/slides/slide27.xml><?xml version="1.0" encoding="utf-8"?>
 <p:sld xmlns:a="http://schemas.openxmlformats.org/drawingml/2006/main" xmlns:r="http://schemas.openxmlformats.org/officeDocument/2006/relationships" xmlns:p="http://schemas.openxmlformats.org/presentationml/2006/main">
   <p:cSld>
     <p:spTree>
@@ -29916,7 +30143,7 @@
 </p:sld>
 </file>
 
-<file path=ppt/slides/slide27.xml><?xml version="1.0" encoding="utf-8"?>
+<file path=ppt/slides/slide28.xml><?xml version="1.0" encoding="utf-8"?>
 <p:sld xmlns:a="http://schemas.openxmlformats.org/drawingml/2006/main" xmlns:r="http://schemas.openxmlformats.org/officeDocument/2006/relationships" xmlns:p="http://schemas.openxmlformats.org/presentationml/2006/main">
   <p:cSld>
     <p:spTree>
@@ -43355,7 +43582,7 @@
 </p:sld>
 </file>
 
-<file path=ppt/slides/slide28.xml><?xml version="1.0" encoding="utf-8"?>
+<file path=ppt/slides/slide29.xml><?xml version="1.0" encoding="utf-8"?>
 <p:sld xmlns:a="http://schemas.openxmlformats.org/drawingml/2006/main" xmlns:r="http://schemas.openxmlformats.org/officeDocument/2006/relationships" xmlns:p="http://schemas.openxmlformats.org/presentationml/2006/main">
   <p:cSld>
     <p:spTree>
@@ -43576,7 +43803,134 @@
 </p:sld>
 </file>
 
-<file path=ppt/slides/slide29.xml><?xml version="1.0" encoding="utf-8"?>
+<file path=ppt/slides/slide3.xml><?xml version="1.0" encoding="utf-8"?>
+<p:sld xmlns:a="http://schemas.openxmlformats.org/drawingml/2006/main" xmlns:r="http://schemas.openxmlformats.org/officeDocument/2006/relationships" xmlns:p="http://schemas.openxmlformats.org/presentationml/2006/main">
+  <p:cSld>
+    <p:spTree>
+      <p:nvGrpSpPr>
+        <p:cNvPr id="1" name=""/>
+        <p:cNvGrpSpPr/>
+        <p:nvPr/>
+      </p:nvGrpSpPr>
+      <p:grpSpPr>
+        <a:xfrm>
+          <a:off x="0" y="0"/>
+          <a:ext cx="0" cy="0"/>
+          <a:chOff x="0" y="0"/>
+          <a:chExt cx="0" cy="0"/>
+        </a:xfrm>
+      </p:grpSpPr>
+      <p:sp>
+        <p:nvSpPr>
+          <p:cNvPr id="2" name="Title 1">
+            <a:extLst>
+              <a:ext uri="{FF2B5EF4-FFF2-40B4-BE49-F238E27FC236}">
+                <a16:creationId xmlns:a16="http://schemas.microsoft.com/office/drawing/2014/main" id="{7FEDDA43-1493-7C1B-6607-662CCD14843B}"/>
+              </a:ext>
+            </a:extLst>
+          </p:cNvPr>
+          <p:cNvSpPr>
+            <a:spLocks noGrp="1"/>
+          </p:cNvSpPr>
+          <p:nvPr>
+            <p:ph type="title"/>
+          </p:nvPr>
+        </p:nvSpPr>
+        <p:spPr/>
+        <p:txBody>
+          <a:bodyPr/>
+          <a:lstStyle/>
+          <a:p>
+            <a:r>
+              <a:rPr lang="en-US"/>
+              <a:t>Gravity waves as simplest solutions</a:t>
+            </a:r>
+          </a:p>
+        </p:txBody>
+      </p:sp>
+      <p:sp>
+        <p:nvSpPr>
+          <p:cNvPr id="3" name="Content Placeholder 2">
+            <a:extLst>
+              <a:ext uri="{FF2B5EF4-FFF2-40B4-BE49-F238E27FC236}">
+                <a16:creationId xmlns:a16="http://schemas.microsoft.com/office/drawing/2014/main" id="{716B0663-E4D0-2644-3DC4-98A16E5FC0F3}"/>
+              </a:ext>
+            </a:extLst>
+          </p:cNvPr>
+          <p:cNvSpPr>
+            <a:spLocks noGrp="1"/>
+          </p:cNvSpPr>
+          <p:nvPr>
+            <p:ph idx="1"/>
+          </p:nvPr>
+        </p:nvSpPr>
+        <p:spPr/>
+        <p:txBody>
+          <a:bodyPr>
+            <a:normAutofit fontScale="92500" lnSpcReduction="20000"/>
+          </a:bodyPr>
+          <a:lstStyle/>
+          <a:p>
+            <a:r>
+              <a:rPr lang="en-US"/>
+              <a:t>Simplest solutions to stratified fluid eqs </a:t>
+            </a:r>
+          </a:p>
+          <a:p>
+            <a:r>
+              <a:rPr lang="en-US"/>
+              <a:t>involving inescapable, linear terms</a:t>
+            </a:r>
+          </a:p>
+          <a:p>
+            <a:r>
+              <a:rPr lang="en-US"/>
+              <a:t>Everywhere all the time in stratified fluids!</a:t>
+            </a:r>
+          </a:p>
+          <a:p>
+            <a:endParaRPr lang="en-US"/>
+          </a:p>
+          <a:p>
+            <a:r>
+              <a:rPr lang="en-US"/>
+              <a:t>complications (nonlinearity, friction, heating, rugged boundary conditions) are all just “sources and sinks”</a:t>
+            </a:r>
+          </a:p>
+          <a:p>
+            <a:r>
+              <a:rPr lang="en-US"/>
+              <a:t>“propagation” is a form of energy transport</a:t>
+            </a:r>
+          </a:p>
+          <a:p>
+            <a:endParaRPr lang="en-US"/>
+          </a:p>
+          <a:p>
+            <a:r>
+              <a:rPr lang="en-US"/>
+              <a:t>GWs carry a vertical flux of hor. momentum!</a:t>
+            </a:r>
+          </a:p>
+          <a:p>
+            <a:endParaRPr lang="en-US"/>
+          </a:p>
+        </p:txBody>
+      </p:sp>
+    </p:spTree>
+    <p:extLst>
+      <p:ext uri="{BB962C8B-B14F-4D97-AF65-F5344CB8AC3E}">
+        <p14:creationId xmlns:p14="http://schemas.microsoft.com/office/powerpoint/2010/main" val="3700094199"/>
+      </p:ext>
+    </p:extLst>
+  </p:cSld>
+  <p:clrMapOvr>
+    <a:masterClrMapping/>
+  </p:clrMapOvr>
+</p:sld>
+</file>
+
+<file path=ppt/slides/slide30.xml><?xml version="1.0" encoding="utf-8"?>
 <p:sld xmlns:a="http://schemas.openxmlformats.org/drawingml/2006/main" xmlns:r="http://schemas.openxmlformats.org/officeDocument/2006/relationships" xmlns:p="http://schemas.openxmlformats.org/presentationml/2006/main">
   <p:cSld>
     <p:spTree>
@@ -43788,134 +44142,7 @@
 </p:sld>
 </file>
 
-<file path=ppt/slides/slide3.xml><?xml version="1.0" encoding="utf-8"?>
-<p:sld xmlns:a="http://schemas.openxmlformats.org/drawingml/2006/main" xmlns:r="http://schemas.openxmlformats.org/officeDocument/2006/relationships" xmlns:p="http://schemas.openxmlformats.org/presentationml/2006/main">
-  <p:cSld>
-    <p:spTree>
-      <p:nvGrpSpPr>
-        <p:cNvPr id="1" name=""/>
-        <p:cNvGrpSpPr/>
-        <p:nvPr/>
-      </p:nvGrpSpPr>
-      <p:grpSpPr>
-        <a:xfrm>
-          <a:off x="0" y="0"/>
-          <a:ext cx="0" cy="0"/>
-          <a:chOff x="0" y="0"/>
-          <a:chExt cx="0" cy="0"/>
-        </a:xfrm>
-      </p:grpSpPr>
-      <p:sp>
-        <p:nvSpPr>
-          <p:cNvPr id="2" name="Title 1">
-            <a:extLst>
-              <a:ext uri="{FF2B5EF4-FFF2-40B4-BE49-F238E27FC236}">
-                <a16:creationId xmlns:a16="http://schemas.microsoft.com/office/drawing/2014/main" id="{7FEDDA43-1493-7C1B-6607-662CCD14843B}"/>
-              </a:ext>
-            </a:extLst>
-          </p:cNvPr>
-          <p:cNvSpPr>
-            <a:spLocks noGrp="1"/>
-          </p:cNvSpPr>
-          <p:nvPr>
-            <p:ph type="title"/>
-          </p:nvPr>
-        </p:nvSpPr>
-        <p:spPr/>
-        <p:txBody>
-          <a:bodyPr/>
-          <a:lstStyle/>
-          <a:p>
-            <a:r>
-              <a:rPr lang="en-US"/>
-              <a:t>Gravity waves as simplest solutions</a:t>
-            </a:r>
-          </a:p>
-        </p:txBody>
-      </p:sp>
-      <p:sp>
-        <p:nvSpPr>
-          <p:cNvPr id="3" name="Content Placeholder 2">
-            <a:extLst>
-              <a:ext uri="{FF2B5EF4-FFF2-40B4-BE49-F238E27FC236}">
-                <a16:creationId xmlns:a16="http://schemas.microsoft.com/office/drawing/2014/main" id="{716B0663-E4D0-2644-3DC4-98A16E5FC0F3}"/>
-              </a:ext>
-            </a:extLst>
-          </p:cNvPr>
-          <p:cNvSpPr>
-            <a:spLocks noGrp="1"/>
-          </p:cNvSpPr>
-          <p:nvPr>
-            <p:ph idx="1"/>
-          </p:nvPr>
-        </p:nvSpPr>
-        <p:spPr/>
-        <p:txBody>
-          <a:bodyPr>
-            <a:normAutofit fontScale="92500" lnSpcReduction="20000"/>
-          </a:bodyPr>
-          <a:lstStyle/>
-          <a:p>
-            <a:r>
-              <a:rPr lang="en-US"/>
-              <a:t>Simplest solutions to stratified fluid eqs </a:t>
-            </a:r>
-          </a:p>
-          <a:p>
-            <a:r>
-              <a:rPr lang="en-US"/>
-              <a:t>involving inescapable, linear terms</a:t>
-            </a:r>
-          </a:p>
-          <a:p>
-            <a:r>
-              <a:rPr lang="en-US"/>
-              <a:t>Everywhere all the time in stratified fluids!</a:t>
-            </a:r>
-          </a:p>
-          <a:p>
-            <a:endParaRPr lang="en-US"/>
-          </a:p>
-          <a:p>
-            <a:r>
-              <a:rPr lang="en-US"/>
-              <a:t>complications (nonlinearity, friction, heating, rugged boundary conditions) are all just “sources and sinks”</a:t>
-            </a:r>
-          </a:p>
-          <a:p>
-            <a:r>
-              <a:rPr lang="en-US"/>
-              <a:t>“propagation” is a form of energy transport</a:t>
-            </a:r>
-          </a:p>
-          <a:p>
-            <a:endParaRPr lang="en-US"/>
-          </a:p>
-          <a:p>
-            <a:r>
-              <a:rPr lang="en-US"/>
-              <a:t>GWs carry a vertical flux of hor. momentum!</a:t>
-            </a:r>
-          </a:p>
-          <a:p>
-            <a:endParaRPr lang="en-US"/>
-          </a:p>
-        </p:txBody>
-      </p:sp>
-    </p:spTree>
-    <p:extLst>
-      <p:ext uri="{BB962C8B-B14F-4D97-AF65-F5344CB8AC3E}">
-        <p14:creationId xmlns:p14="http://schemas.microsoft.com/office/powerpoint/2010/main" val="3700094199"/>
-      </p:ext>
-    </p:extLst>
-  </p:cSld>
-  <p:clrMapOvr>
-    <a:masterClrMapping/>
-  </p:clrMapOvr>
-</p:sld>
-</file>
-
-<file path=ppt/slides/slide30.xml><?xml version="1.0" encoding="utf-8"?>
+<file path=ppt/slides/slide31.xml><?xml version="1.0" encoding="utf-8"?>
 <p:sld xmlns:a="http://schemas.openxmlformats.org/drawingml/2006/main" xmlns:r="http://schemas.openxmlformats.org/officeDocument/2006/relationships" xmlns:p="http://schemas.openxmlformats.org/presentationml/2006/main">
   <p:cSld>
     <p:spTree>
@@ -44810,6 +45037,208 @@
       </p:grpSpPr>
       <p:sp>
         <p:nvSpPr>
+          <p:cNvPr id="2" name="Title 1">
+            <a:extLst>
+              <a:ext uri="{FF2B5EF4-FFF2-40B4-BE49-F238E27FC236}">
+                <a16:creationId xmlns:a16="http://schemas.microsoft.com/office/drawing/2014/main" id="{59932614-A8FB-4103-A5CD-0798B1484947}"/>
+              </a:ext>
+            </a:extLst>
+          </p:cNvPr>
+          <p:cNvSpPr>
+            <a:spLocks noGrp="1"/>
+          </p:cNvSpPr>
+          <p:nvPr>
+            <p:ph type="title"/>
+          </p:nvPr>
+        </p:nvSpPr>
+        <p:spPr/>
+        <p:txBody>
+          <a:bodyPr>
+            <a:normAutofit fontScale="90000"/>
+          </a:bodyPr>
+          <a:lstStyle/>
+          <a:p>
+            <a:r>
+              <a:rPr lang="en-US"/>
+              <a:t>Any jiggling with a frequency between N and f will excite them </a:t>
+            </a:r>
+          </a:p>
+        </p:txBody>
+      </p:sp>
+      <p:sp>
+        <p:nvSpPr>
+          <p:cNvPr id="3" name="Content Placeholder 2">
+            <a:extLst>
+              <a:ext uri="{FF2B5EF4-FFF2-40B4-BE49-F238E27FC236}">
+                <a16:creationId xmlns:a16="http://schemas.microsoft.com/office/drawing/2014/main" id="{E207ECF7-7A2F-E189-A85E-FF21229CBC2C}"/>
+              </a:ext>
+            </a:extLst>
+          </p:cNvPr>
+          <p:cNvSpPr>
+            <a:spLocks noGrp="1"/>
+          </p:cNvSpPr>
+          <p:nvPr>
+            <p:ph idx="1"/>
+          </p:nvPr>
+        </p:nvSpPr>
+        <p:spPr/>
+        <p:txBody>
+          <a:bodyPr>
+            <a:normAutofit fontScale="92500" lnSpcReduction="20000"/>
+          </a:bodyPr>
+          <a:lstStyle/>
+          <a:p>
+            <a:endParaRPr lang="en-US"/>
+          </a:p>
+          <a:p>
+            <a:r>
+              <a:rPr lang="en-US"/>
+              <a:t>source has a horizontal, vertical size </a:t>
+            </a:r>
+            <a:r>
+              <a:rPr lang="en-US">
+                <a:sym typeface="Wingdings" pitchFamily="2" charset="2"/>
+              </a:rPr>
+              <a:t> k,m</a:t>
+            </a:r>
+          </a:p>
+          <a:p>
+            <a:r>
+              <a:rPr lang="en-US"/>
+              <a:t>oscillator has a frequency </a:t>
+            </a:r>
+            <a:r>
+              <a:rPr lang="en-US">
+                <a:sym typeface="Wingdings" pitchFamily="2" charset="2"/>
+              </a:rPr>
+              <a:t> </a:t>
+            </a:r>
+            <a:r>
+              <a:rPr lang="en-US">
+                <a:latin typeface="Symbol" pitchFamily="2" charset="2"/>
+                <a:sym typeface="Wingdings" pitchFamily="2" charset="2"/>
+              </a:rPr>
+              <a:t>w</a:t>
+            </a:r>
+            <a:r>
+              <a:rPr lang="en-US">
+                <a:latin typeface="Symbol" pitchFamily="2" charset="2"/>
+              </a:rPr>
+              <a:t> </a:t>
+            </a:r>
+            <a:r>
+              <a:rPr lang="en-US">
+                <a:hlinkClick r:id="rId2"/>
+              </a:rPr>
+              <a:t>https://www.youtube.com/watch?v=BDQD_gM3M24</a:t>
+            </a:r>
+            <a:endParaRPr lang="en-US"/>
+          </a:p>
+          <a:p>
+            <a:r>
+              <a:rPr lang="en-US"/>
+              <a:t>moving thing has a velocity c </a:t>
+            </a:r>
+            <a:r>
+              <a:rPr lang="en-US">
+                <a:sym typeface="Wingdings" pitchFamily="2" charset="2"/>
+              </a:rPr>
+              <a:t> constrains their ratio, the wave </a:t>
+            </a:r>
+            <a:r>
+              <a:rPr lang="en-US">
+                <a:solidFill>
+                  <a:srgbClr val="FF0000"/>
+                </a:solidFill>
+                <a:sym typeface="Wingdings" pitchFamily="2" charset="2"/>
+              </a:rPr>
+              <a:t>phase speed </a:t>
+            </a:r>
+            <a:r>
+              <a:rPr lang="en-US">
+                <a:sym typeface="Wingdings" pitchFamily="2" charset="2"/>
+              </a:rPr>
+              <a:t>c=</a:t>
+            </a:r>
+            <a:r>
+              <a:rPr lang="en-US">
+                <a:latin typeface="Symbol" pitchFamily="2" charset="2"/>
+                <a:sym typeface="Wingdings" pitchFamily="2" charset="2"/>
+              </a:rPr>
+              <a:t>w</a:t>
+            </a:r>
+            <a:r>
+              <a:rPr lang="en-US">
+                <a:sym typeface="Wingdings" pitchFamily="2" charset="2"/>
+              </a:rPr>
+              <a:t>/k</a:t>
+            </a:r>
+            <a:endParaRPr lang="en-US"/>
+          </a:p>
+          <a:p>
+            <a:pPr marL="0" indent="0">
+              <a:buNone/>
+            </a:pPr>
+            <a:endParaRPr lang="en-US"/>
+          </a:p>
+          <a:p>
+            <a:r>
+              <a:rPr lang="en-US"/>
+              <a:t>heating has a depth (</a:t>
+            </a:r>
+            <a:r>
+              <a:rPr lang="en-US">
+                <a:sym typeface="Wingdings" pitchFamily="2" charset="2"/>
+              </a:rPr>
+              <a:t> vertical wavenumber m)</a:t>
+            </a:r>
+          </a:p>
+          <a:p>
+            <a:pPr marL="0" indent="0">
+              <a:buNone/>
+            </a:pPr>
+            <a:r>
+              <a:rPr lang="en-US">
+                <a:sym typeface="Wingdings" pitchFamily="2" charset="2"/>
+              </a:rPr>
+              <a:t> </a:t>
+            </a:r>
+            <a:endParaRPr lang="en-US"/>
+          </a:p>
+        </p:txBody>
+      </p:sp>
+    </p:spTree>
+    <p:extLst>
+      <p:ext uri="{BB962C8B-B14F-4D97-AF65-F5344CB8AC3E}">
+        <p14:creationId xmlns:p14="http://schemas.microsoft.com/office/powerpoint/2010/main" val="2541927673"/>
+      </p:ext>
+    </p:extLst>
+  </p:cSld>
+  <p:clrMapOvr>
+    <a:masterClrMapping/>
+  </p:clrMapOvr>
+</p:sld>
+</file>
+
+<file path=ppt/slides/slide7.xml><?xml version="1.0" encoding="utf-8"?>
+<p:sld xmlns:a="http://schemas.openxmlformats.org/drawingml/2006/main" xmlns:r="http://schemas.openxmlformats.org/officeDocument/2006/relationships" xmlns:p="http://schemas.openxmlformats.org/presentationml/2006/main">
+  <p:cSld>
+    <p:spTree>
+      <p:nvGrpSpPr>
+        <p:cNvPr id="1" name=""/>
+        <p:cNvGrpSpPr/>
+        <p:nvPr/>
+      </p:nvGrpSpPr>
+      <p:grpSpPr>
+        <a:xfrm>
+          <a:off x="0" y="0"/>
+          <a:ext cx="0" cy="0"/>
+          <a:chOff x="0" y="0"/>
+          <a:chExt cx="0" cy="0"/>
+        </a:xfrm>
+      </p:grpSpPr>
+      <p:sp>
+        <p:nvSpPr>
           <p:cNvPr id="2" name="Title 1"/>
           <p:cNvSpPr>
             <a:spLocks noGrp="1"/>
@@ -44884,7 +45313,7 @@
 </p:sld>
 </file>
 
-<file path=ppt/slides/slide7.xml><?xml version="1.0" encoding="utf-8"?>
+<file path=ppt/slides/slide8.xml><?xml version="1.0" encoding="utf-8"?>
 <p:sld xmlns:a="http://schemas.openxmlformats.org/drawingml/2006/main" xmlns:r="http://schemas.openxmlformats.org/officeDocument/2006/relationships" xmlns:p="http://schemas.openxmlformats.org/presentationml/2006/main">
   <p:cSld>
     <p:spTree>
@@ -45005,7 +45434,7 @@
 </p:sld>
 </file>
 
-<file path=ppt/slides/slide8.xml><?xml version="1.0" encoding="utf-8"?>
+<file path=ppt/slides/slide9.xml><?xml version="1.0" encoding="utf-8"?>
 <p:sld xmlns:a="http://schemas.openxmlformats.org/drawingml/2006/main" xmlns:r="http://schemas.openxmlformats.org/officeDocument/2006/relationships" xmlns:p="http://schemas.openxmlformats.org/presentationml/2006/main">
   <p:cSld>
     <p:spTree>
@@ -45110,202 +45539,6 @@
               <a:t>Courtesy: </a:t>
             </a:r>
           </a:p>
-          <a:p>
-            <a:r>
-              <a:rPr lang="en-US"/>
-              <a:t>Geraint Vaughan</a:t>
-            </a:r>
-          </a:p>
-        </p:txBody>
-      </p:sp>
-    </p:spTree>
-  </p:cSld>
-  <p:clrMapOvr>
-    <a:masterClrMapping/>
-  </p:clrMapOvr>
-</p:sld>
-</file>
-
-<file path=ppt/slides/slide9.xml><?xml version="1.0" encoding="utf-8"?>
-<p:sld xmlns:a="http://schemas.openxmlformats.org/drawingml/2006/main" xmlns:r="http://schemas.openxmlformats.org/officeDocument/2006/relationships" xmlns:p="http://schemas.openxmlformats.org/presentationml/2006/main">
-  <p:cSld>
-    <p:spTree>
-      <p:nvGrpSpPr>
-        <p:cNvPr id="1" name=""/>
-        <p:cNvGrpSpPr/>
-        <p:nvPr/>
-      </p:nvGrpSpPr>
-      <p:grpSpPr>
-        <a:xfrm>
-          <a:off x="0" y="0"/>
-          <a:ext cx="0" cy="0"/>
-          <a:chOff x="0" y="0"/>
-          <a:chExt cx="0" cy="0"/>
-        </a:xfrm>
-      </p:grpSpPr>
-      <p:sp>
-        <p:nvSpPr>
-          <p:cNvPr id="2" name="Title 1"/>
-          <p:cNvSpPr>
-            <a:spLocks noGrp="1"/>
-          </p:cNvSpPr>
-          <p:nvPr>
-            <p:ph type="title"/>
-          </p:nvPr>
-        </p:nvSpPr>
-        <p:spPr>
-          <a:xfrm>
-            <a:off x="457200" y="0"/>
-            <a:ext cx="8229600" cy="894099"/>
-          </a:xfrm>
-        </p:spPr>
-        <p:txBody>
-          <a:bodyPr/>
-          <a:lstStyle/>
-          <a:p>
-            <a:r>
-              <a:rPr lang="en-US"/>
-              <a:t>Inertio-gravity waves</a:t>
-            </a:r>
-          </a:p>
-        </p:txBody>
-      </p:sp>
-      <p:sp>
-        <p:nvSpPr>
-          <p:cNvPr id="3" name="Content Placeholder 2"/>
-          <p:cNvSpPr>
-            <a:spLocks noGrp="1"/>
-          </p:cNvSpPr>
-          <p:nvPr>
-            <p:ph idx="1"/>
-          </p:nvPr>
-        </p:nvSpPr>
-        <p:spPr>
-          <a:xfrm>
-            <a:off x="457200" y="894100"/>
-            <a:ext cx="8229600" cy="2941456"/>
-          </a:xfrm>
-        </p:spPr>
-        <p:txBody>
-          <a:bodyPr>
-            <a:normAutofit fontScale="70000" lnSpcReduction="20000"/>
-          </a:bodyPr>
-          <a:lstStyle/>
-          <a:p>
-            <a:r>
-              <a:rPr lang="en-GB"/>
-              <a:t>These rather forbidding equations hide a pleasing elegance to the gravity-wave solutions which become more evident if x is taken to be the direction of propagation of the wave. Then ℓ=0 and V = -iUf/ω. V and U are in quadrature, causing the wind vector to rotate elliptically – clockwise for upward energy propagation and anticlockwise for downward. For oscillations near to the inertial frequency (which are common in the lower stratosphere) the ellipses are nearly circles, as shown in the example below measured by a VHF radar at Aberystwyth, Wales.</a:t>
-            </a:r>
-            <a:endParaRPr lang="en-US"/>
-          </a:p>
-          <a:p>
-            <a:endParaRPr lang="en-US"/>
-          </a:p>
-        </p:txBody>
-      </p:sp>
-      <p:graphicFrame>
-        <p:nvGraphicFramePr>
-          <p:cNvPr id="30722" name="Object 2"/>
-          <p:cNvGraphicFramePr>
-            <a:graphicFrameLocks noChangeAspect="1"/>
-          </p:cNvGraphicFramePr>
-          <p:nvPr/>
-        </p:nvGraphicFramePr>
-        <p:xfrm>
-          <a:off x="2835228" y="3528972"/>
-          <a:ext cx="3358632" cy="3238323"/>
-        </p:xfrm>
-        <a:graphic>
-          <a:graphicData uri="http://schemas.openxmlformats.org/presentationml/2006/ole">
-            <mc:AlternateContent xmlns:mc="http://schemas.openxmlformats.org/markup-compatibility/2006">
-              <mc:Choice xmlns:v="urn:schemas-microsoft-com:vml" Requires="v">
-                <p:oleObj name="Document" r:id="rId2" imgW="4254500" imgH="4102100" progId="Word.Document.12">
-                  <p:link updateAutomatic="1"/>
-                </p:oleObj>
-              </mc:Choice>
-              <mc:Fallback>
-                <p:oleObj name="Document" r:id="rId2" imgW="4254500" imgH="4102100" progId="Word.Document.12">
-                  <p:link updateAutomatic="1"/>
-                  <p:pic>
-                    <p:nvPicPr>
-                      <p:cNvPr id="0" name="Picture 2"/>
-                      <p:cNvPicPr>
-                        <a:picLocks noChangeAspect="1" noChangeArrowheads="1"/>
-                      </p:cNvPicPr>
-                      <p:nvPr/>
-                    </p:nvPicPr>
-                    <p:blipFill>
-                      <a:blip r:embed="rId3">
-                        <a:extLst>
-                          <a:ext uri="{28A0092B-C50C-407E-A947-70E740481C1C}">
-                            <a14:useLocalDpi xmlns:a14="http://schemas.microsoft.com/office/drawing/2010/main" val="0"/>
-                          </a:ext>
-                        </a:extLst>
-                      </a:blip>
-                      <a:srcRect/>
-                      <a:stretch>
-                        <a:fillRect/>
-                      </a:stretch>
-                    </p:blipFill>
-                    <p:spPr bwMode="auto">
-                      <a:xfrm>
-                        <a:off x="2835228" y="3528972"/>
-                        <a:ext cx="3358632" cy="3238323"/>
-                      </a:xfrm>
-                      <a:prstGeom prst="rect">
-                        <a:avLst/>
-                      </a:prstGeom>
-                      <a:noFill/>
-                      <a:ln>
-                        <a:noFill/>
-                      </a:ln>
-                      <a:extLst>
-                        <a:ext uri="{909E8E84-426E-40DD-AFC4-6F175D3DCCD1}">
-                          <a14:hiddenFill xmlns:a14="http://schemas.microsoft.com/office/drawing/2010/main">
-                            <a:solidFill>
-                              <a:schemeClr val="accent1"/>
-                            </a:solidFill>
-                          </a14:hiddenFill>
-                        </a:ext>
-                        <a:ext uri="{91240B29-F687-4F45-9708-019B960494DF}">
-                          <a14:hiddenLine xmlns:a14="http://schemas.microsoft.com/office/drawing/2010/main" w="9525">
-                            <a:solidFill>
-                              <a:schemeClr val="tx1"/>
-                            </a:solidFill>
-                            <a:miter lim="800000"/>
-                            <a:headEnd/>
-                            <a:tailEnd/>
-                          </a14:hiddenLine>
-                        </a:ext>
-                      </a:extLst>
-                    </p:spPr>
-                  </p:pic>
-                </p:oleObj>
-              </mc:Fallback>
-            </mc:AlternateContent>
-          </a:graphicData>
-        </a:graphic>
-      </p:graphicFrame>
-      <p:sp>
-        <p:nvSpPr>
-          <p:cNvPr id="5" name="Rectangle 4"/>
-          <p:cNvSpPr/>
-          <p:nvPr/>
-        </p:nvSpPr>
-        <p:spPr>
-          <a:xfrm>
-            <a:off x="6941986" y="5999535"/>
-            <a:ext cx="1744814" cy="369332"/>
-          </a:xfrm>
-          <a:prstGeom prst="rect">
-            <a:avLst/>
-          </a:prstGeom>
-        </p:spPr>
-        <p:txBody>
-          <a:bodyPr wrap="none">
-            <a:spAutoFit/>
-          </a:bodyPr>
-          <a:lstStyle/>
           <a:p>
             <a:r>
               <a:rPr lang="en-US"/>

--- a/Assembling_the_PEs/Gravitywaves.pptx
+++ b/Assembling_the_PEs/Gravitywaves.pptx
@@ -6460,10 +6460,10 @@
       </p:sp>
       <p:pic>
         <p:nvPicPr>
-          <p:cNvPr id="4" name="Picture 3">
+          <p:cNvPr id="6" name="Picture 5" descr="A white board with writing on it&#10;&#10;Description automatically generated">
             <a:extLst>
               <a:ext uri="{FF2B5EF4-FFF2-40B4-BE49-F238E27FC236}">
-                <a16:creationId xmlns:a16="http://schemas.microsoft.com/office/drawing/2014/main" id="{A1897E6F-2FD9-7B8A-288E-791CCAE2B659}"/>
+                <a16:creationId xmlns:a16="http://schemas.microsoft.com/office/drawing/2014/main" id="{776E4A24-B641-28C9-4558-7F8D66A3C500}"/>
               </a:ext>
             </a:extLst>
           </p:cNvPr>
@@ -6480,8 +6480,8 @@
         </p:blipFill>
         <p:spPr>
           <a:xfrm>
-            <a:off x="2076450" y="2184400"/>
-            <a:ext cx="4991100" cy="2489200"/>
+            <a:off x="0" y="1733407"/>
+            <a:ext cx="9144000" cy="4063235"/>
           </a:xfrm>
           <a:prstGeom prst="rect">
             <a:avLst/>

--- a/Assembling_the_PEs/Gravitywaves.pptx
+++ b/Assembling_the_PEs/Gravitywaves.pptx
@@ -7,40 +7,43 @@
     <p:sldMasterId id="2147483662" r:id="rId3"/>
   </p:sldMasterIdLst>
   <p:notesMasterIdLst>
-    <p:notesMasterId r:id="rId35"/>
+    <p:notesMasterId r:id="rId38"/>
   </p:notesMasterIdLst>
   <p:sldIdLst>
     <p:sldId id="344" r:id="rId4"/>
-    <p:sldId id="345" r:id="rId5"/>
-    <p:sldId id="343" r:id="rId6"/>
-    <p:sldId id="342" r:id="rId7"/>
-    <p:sldId id="263" r:id="rId8"/>
-    <p:sldId id="346" r:id="rId9"/>
-    <p:sldId id="271" r:id="rId10"/>
-    <p:sldId id="258" r:id="rId11"/>
-    <p:sldId id="269" r:id="rId12"/>
-    <p:sldId id="270" r:id="rId13"/>
-    <p:sldId id="261" r:id="rId14"/>
-    <p:sldId id="265" r:id="rId15"/>
-    <p:sldId id="264" r:id="rId16"/>
-    <p:sldId id="266" r:id="rId17"/>
-    <p:sldId id="272" r:id="rId18"/>
-    <p:sldId id="276" r:id="rId19"/>
-    <p:sldId id="273" r:id="rId20"/>
-    <p:sldId id="262" r:id="rId21"/>
-    <p:sldId id="274" r:id="rId22"/>
-    <p:sldId id="277" r:id="rId23"/>
-    <p:sldId id="339" r:id="rId24"/>
-    <p:sldId id="338" r:id="rId25"/>
-    <p:sldId id="293" r:id="rId26"/>
-    <p:sldId id="287" r:id="rId27"/>
-    <p:sldId id="288" r:id="rId28"/>
-    <p:sldId id="289" r:id="rId29"/>
-    <p:sldId id="290" r:id="rId30"/>
-    <p:sldId id="297" r:id="rId31"/>
-    <p:sldId id="284" r:id="rId32"/>
-    <p:sldId id="286" r:id="rId33"/>
-    <p:sldId id="341" r:id="rId34"/>
+    <p:sldId id="349" r:id="rId5"/>
+    <p:sldId id="347" r:id="rId6"/>
+    <p:sldId id="348" r:id="rId7"/>
+    <p:sldId id="345" r:id="rId8"/>
+    <p:sldId id="343" r:id="rId9"/>
+    <p:sldId id="342" r:id="rId10"/>
+    <p:sldId id="263" r:id="rId11"/>
+    <p:sldId id="346" r:id="rId12"/>
+    <p:sldId id="271" r:id="rId13"/>
+    <p:sldId id="258" r:id="rId14"/>
+    <p:sldId id="269" r:id="rId15"/>
+    <p:sldId id="270" r:id="rId16"/>
+    <p:sldId id="261" r:id="rId17"/>
+    <p:sldId id="265" r:id="rId18"/>
+    <p:sldId id="264" r:id="rId19"/>
+    <p:sldId id="266" r:id="rId20"/>
+    <p:sldId id="272" r:id="rId21"/>
+    <p:sldId id="276" r:id="rId22"/>
+    <p:sldId id="273" r:id="rId23"/>
+    <p:sldId id="262" r:id="rId24"/>
+    <p:sldId id="274" r:id="rId25"/>
+    <p:sldId id="277" r:id="rId26"/>
+    <p:sldId id="339" r:id="rId27"/>
+    <p:sldId id="338" r:id="rId28"/>
+    <p:sldId id="293" r:id="rId29"/>
+    <p:sldId id="287" r:id="rId30"/>
+    <p:sldId id="288" r:id="rId31"/>
+    <p:sldId id="289" r:id="rId32"/>
+    <p:sldId id="290" r:id="rId33"/>
+    <p:sldId id="297" r:id="rId34"/>
+    <p:sldId id="284" r:id="rId35"/>
+    <p:sldId id="286" r:id="rId36"/>
+    <p:sldId id="341" r:id="rId37"/>
   </p:sldIdLst>
   <p:sldSz cx="9144000" cy="6858000" type="screen4x3"/>
   <p:notesSz cx="6858000" cy="9144000"/>
@@ -241,7 +244,7 @@
             <a:fld id="{F2CCAE80-15F6-DD4B-8D1D-B021AA599F23}" type="datetimeFigureOut">
               <a:rPr lang="en-US"/>
               <a:pPr/>
-              <a:t>11/15/23</a:t>
+              <a:t>10/30/24</a:t>
             </a:fld>
             <a:endParaRPr lang="en-US"/>
           </a:p>
@@ -543,7 +546,7 @@
             <a:fld id="{B5CAF442-A0C3-BD45-B07C-0F706D972FA7}" type="slidenum">
               <a:rPr lang="en-US"/>
               <a:pPr/>
-              <a:t>21</a:t>
+              <a:t>24</a:t>
             </a:fld>
             <a:endParaRPr lang="en-US"/>
           </a:p>
@@ -667,7 +670,7 @@
             <a:fld id="{CE2A1C66-91FD-0B4A-ACC0-2AB18DDCB3D3}" type="slidenum">
               <a:rPr lang="en-US"/>
               <a:pPr/>
-              <a:t>22</a:t>
+              <a:t>25</a:t>
             </a:fld>
             <a:endParaRPr lang="en-US"/>
           </a:p>
@@ -755,7 +758,7 @@
                 </a:solidFill>
               </a:rPr>
               <a:pPr/>
-              <a:t>23</a:t>
+              <a:t>26</a:t>
             </a:fld>
             <a:endParaRPr lang="en-US">
               <a:solidFill>
@@ -847,7 +850,7 @@
                 </a:solidFill>
               </a:rPr>
               <a:pPr/>
-              <a:t>24</a:t>
+              <a:t>27</a:t>
             </a:fld>
             <a:endParaRPr lang="en-US">
               <a:solidFill>
@@ -939,7 +942,7 @@
                 </a:solidFill>
               </a:rPr>
               <a:pPr/>
-              <a:t>25</a:t>
+              <a:t>28</a:t>
             </a:fld>
             <a:endParaRPr lang="en-US">
               <a:solidFill>
@@ -1031,7 +1034,7 @@
                 </a:solidFill>
               </a:rPr>
               <a:pPr/>
-              <a:t>26</a:t>
+              <a:t>29</a:t>
             </a:fld>
             <a:endParaRPr lang="en-US">
               <a:solidFill>
@@ -1123,7 +1126,7 @@
                 </a:solidFill>
               </a:rPr>
               <a:pPr/>
-              <a:t>27</a:t>
+              <a:t>30</a:t>
             </a:fld>
             <a:endParaRPr lang="en-US">
               <a:solidFill>
@@ -1215,7 +1218,7 @@
                 </a:solidFill>
               </a:rPr>
               <a:pPr/>
-              <a:t>28</a:t>
+              <a:t>31</a:t>
             </a:fld>
             <a:endParaRPr lang="en-US">
               <a:solidFill>
@@ -1307,7 +1310,7 @@
                 <a:cs typeface="ＭＳ Ｐゴシック" pitchFamily="-109" charset="-128"/>
               </a:rPr>
               <a:pPr/>
-              <a:t>31</a:t>
+              <a:t>34</a:t>
             </a:fld>
             <a:endParaRPr lang="en-US">
               <a:latin typeface="Arial" pitchFamily="-109" charset="0"/>
@@ -1568,7 +1571,7 @@
             <a:fld id="{7C000CD9-D006-7B45-ABE6-3A5E5EF71801}" type="datetimeFigureOut">
               <a:rPr lang="en-US"/>
               <a:pPr/>
-              <a:t>11/15/23</a:t>
+              <a:t>10/30/24</a:t>
             </a:fld>
             <a:endParaRPr lang="en-US"/>
           </a:p>
@@ -1733,7 +1736,7 @@
             <a:fld id="{7C000CD9-D006-7B45-ABE6-3A5E5EF71801}" type="datetimeFigureOut">
               <a:rPr lang="en-US"/>
               <a:pPr/>
-              <a:t>11/15/23</a:t>
+              <a:t>10/30/24</a:t>
             </a:fld>
             <a:endParaRPr lang="en-US"/>
           </a:p>
@@ -1908,7 +1911,7 @@
             <a:fld id="{7C000CD9-D006-7B45-ABE6-3A5E5EF71801}" type="datetimeFigureOut">
               <a:rPr lang="en-US"/>
               <a:pPr/>
-              <a:t>11/15/23</a:t>
+              <a:t>10/30/24</a:t>
             </a:fld>
             <a:endParaRPr lang="en-US"/>
           </a:p>
@@ -2702,7 +2705,7 @@
             <a:fld id="{7C000CD9-D006-7B45-ABE6-3A5E5EF71801}" type="datetimeFigureOut">
               <a:rPr lang="en-US"/>
               <a:pPr/>
-              <a:t>11/15/23</a:t>
+              <a:t>10/30/24</a:t>
             </a:fld>
             <a:endParaRPr lang="en-US"/>
           </a:p>
@@ -2944,7 +2947,7 @@
             <a:fld id="{7C000CD9-D006-7B45-ABE6-3A5E5EF71801}" type="datetimeFigureOut">
               <a:rPr lang="en-US"/>
               <a:pPr/>
-              <a:t>11/15/23</a:t>
+              <a:t>10/30/24</a:t>
             </a:fld>
             <a:endParaRPr lang="en-US"/>
           </a:p>
@@ -3226,7 +3229,7 @@
             <a:fld id="{7C000CD9-D006-7B45-ABE6-3A5E5EF71801}" type="datetimeFigureOut">
               <a:rPr lang="en-US"/>
               <a:pPr/>
-              <a:t>11/15/23</a:t>
+              <a:t>10/30/24</a:t>
             </a:fld>
             <a:endParaRPr lang="en-US"/>
           </a:p>
@@ -3642,7 +3645,7 @@
             <a:fld id="{7C000CD9-D006-7B45-ABE6-3A5E5EF71801}" type="datetimeFigureOut">
               <a:rPr lang="en-US"/>
               <a:pPr/>
-              <a:t>11/15/23</a:t>
+              <a:t>10/30/24</a:t>
             </a:fld>
             <a:endParaRPr lang="en-US"/>
           </a:p>
@@ -3756,7 +3759,7 @@
             <a:fld id="{7C000CD9-D006-7B45-ABE6-3A5E5EF71801}" type="datetimeFigureOut">
               <a:rPr lang="en-US"/>
               <a:pPr/>
-              <a:t>11/15/23</a:t>
+              <a:t>10/30/24</a:t>
             </a:fld>
             <a:endParaRPr lang="en-US"/>
           </a:p>
@@ -3848,7 +3851,7 @@
             <a:fld id="{7C000CD9-D006-7B45-ABE6-3A5E5EF71801}" type="datetimeFigureOut">
               <a:rPr lang="en-US"/>
               <a:pPr/>
-              <a:t>11/15/23</a:t>
+              <a:t>10/30/24</a:t>
             </a:fld>
             <a:endParaRPr lang="en-US"/>
           </a:p>
@@ -4120,7 +4123,7 @@
             <a:fld id="{7C000CD9-D006-7B45-ABE6-3A5E5EF71801}" type="datetimeFigureOut">
               <a:rPr lang="en-US"/>
               <a:pPr/>
-              <a:t>11/15/23</a:t>
+              <a:t>10/30/24</a:t>
             </a:fld>
             <a:endParaRPr lang="en-US"/>
           </a:p>
@@ -4369,7 +4372,7 @@
             <a:fld id="{7C000CD9-D006-7B45-ABE6-3A5E5EF71801}" type="datetimeFigureOut">
               <a:rPr lang="en-US"/>
               <a:pPr/>
-              <a:t>11/15/23</a:t>
+              <a:t>10/30/24</a:t>
             </a:fld>
             <a:endParaRPr lang="en-US"/>
           </a:p>
@@ -4577,7 +4580,7 @@
             <a:fld id="{7C000CD9-D006-7B45-ABE6-3A5E5EF71801}" type="datetimeFigureOut">
               <a:rPr lang="en-US"/>
               <a:pPr/>
-              <a:t>11/15/23</a:t>
+              <a:t>10/30/24</a:t>
             </a:fld>
             <a:endParaRPr lang="en-US"/>
           </a:p>
@@ -6437,33 +6440,31 @@
             <p:ph type="title"/>
           </p:nvPr>
         </p:nvSpPr>
-        <p:spPr/>
+        <p:spPr>
+          <a:xfrm>
+            <a:off x="457200" y="0"/>
+            <a:ext cx="8229600" cy="1143000"/>
+          </a:xfrm>
+        </p:spPr>
         <p:txBody>
           <a:bodyPr>
-            <a:normAutofit fontScale="90000"/>
+            <a:normAutofit/>
           </a:bodyPr>
           <a:lstStyle/>
           <a:p>
             <a:r>
               <a:rPr lang="en-US"/>
-              <a:t>The Boussinesq equations </a:t>
-            </a:r>
-            <a:br>
-              <a:rPr lang="en-US"/>
-            </a:br>
-            <a:r>
-              <a:rPr lang="en-US"/>
-              <a:t>(compared to primitive and anelastic)</a:t>
+              <a:t>Concept map/survey mid-course</a:t>
             </a:r>
           </a:p>
         </p:txBody>
       </p:sp>
       <p:pic>
         <p:nvPicPr>
-          <p:cNvPr id="6" name="Picture 5" descr="A white board with writing on it&#10;&#10;Description automatically generated">
+          <p:cNvPr id="4" name="Picture 3" descr="A white board with writing on it&#10;&#10;Description automatically generated">
             <a:extLst>
               <a:ext uri="{FF2B5EF4-FFF2-40B4-BE49-F238E27FC236}">
-                <a16:creationId xmlns:a16="http://schemas.microsoft.com/office/drawing/2014/main" id="{776E4A24-B641-28C9-4558-7F8D66A3C500}"/>
+                <a16:creationId xmlns:a16="http://schemas.microsoft.com/office/drawing/2014/main" id="{804FD1AB-683E-1969-D13D-78E1777BEB08}"/>
               </a:ext>
             </a:extLst>
           </p:cNvPr>
@@ -6480,8 +6481,8 @@
         </p:blipFill>
         <p:spPr>
           <a:xfrm>
-            <a:off x="0" y="1733407"/>
-            <a:ext cx="9144000" cy="4063235"/>
+            <a:off x="164892" y="1096179"/>
+            <a:ext cx="8814216" cy="5761821"/>
           </a:xfrm>
           <a:prstGeom prst="rect">
             <a:avLst/>
@@ -6502,6 +6503,341 @@
 </file>
 
 <file path=ppt/slides/slide10.xml><?xml version="1.0" encoding="utf-8"?>
+<p:sld xmlns:a="http://schemas.openxmlformats.org/drawingml/2006/main" xmlns:r="http://schemas.openxmlformats.org/officeDocument/2006/relationships" xmlns:p="http://schemas.openxmlformats.org/presentationml/2006/main">
+  <p:cSld>
+    <p:spTree>
+      <p:nvGrpSpPr>
+        <p:cNvPr id="1" name=""/>
+        <p:cNvGrpSpPr/>
+        <p:nvPr/>
+      </p:nvGrpSpPr>
+      <p:grpSpPr>
+        <a:xfrm>
+          <a:off x="0" y="0"/>
+          <a:ext cx="0" cy="0"/>
+          <a:chOff x="0" y="0"/>
+          <a:chExt cx="0" cy="0"/>
+        </a:xfrm>
+      </p:grpSpPr>
+      <p:sp>
+        <p:nvSpPr>
+          <p:cNvPr id="2" name="Title 1"/>
+          <p:cNvSpPr>
+            <a:spLocks noGrp="1"/>
+          </p:cNvSpPr>
+          <p:nvPr>
+            <p:ph type="title"/>
+          </p:nvPr>
+        </p:nvSpPr>
+        <p:spPr/>
+        <p:txBody>
+          <a:bodyPr/>
+          <a:lstStyle/>
+          <a:p>
+            <a:r>
+              <a:rPr lang="en-US"/>
+              <a:t>Mountain waves</a:t>
+            </a:r>
+          </a:p>
+        </p:txBody>
+      </p:sp>
+      <p:sp>
+        <p:nvSpPr>
+          <p:cNvPr id="3" name="Content Placeholder 2"/>
+          <p:cNvSpPr>
+            <a:spLocks noGrp="1"/>
+          </p:cNvSpPr>
+          <p:nvPr>
+            <p:ph idx="1"/>
+          </p:nvPr>
+        </p:nvSpPr>
+        <p:spPr/>
+        <p:txBody>
+          <a:bodyPr/>
+          <a:lstStyle/>
+          <a:p>
+            <a:r>
+              <a:rPr lang="en-US"/>
+              <a:t>Wind over bumps is a source term. Excites horizontal wavenumber k @ frequency ck</a:t>
+            </a:r>
+          </a:p>
+        </p:txBody>
+      </p:sp>
+      <p:pic>
+        <p:nvPicPr>
+          <p:cNvPr id="4" name="Picture 3"/>
+          <p:cNvPicPr>
+            <a:picLocks noChangeAspect="1"/>
+          </p:cNvPicPr>
+          <p:nvPr/>
+        </p:nvPicPr>
+        <p:blipFill>
+          <a:blip r:embed="rId2"/>
+          <a:stretch>
+            <a:fillRect/>
+          </a:stretch>
+        </p:blipFill>
+        <p:spPr>
+          <a:xfrm>
+            <a:off x="138749" y="2786062"/>
+            <a:ext cx="8866501" cy="4071938"/>
+          </a:xfrm>
+          <a:prstGeom prst="rect">
+            <a:avLst/>
+          </a:prstGeom>
+        </p:spPr>
+      </p:pic>
+    </p:spTree>
+  </p:cSld>
+  <p:clrMapOvr>
+    <a:masterClrMapping/>
+  </p:clrMapOvr>
+</p:sld>
+</file>
+
+<file path=ppt/slides/slide11.xml><?xml version="1.0" encoding="utf-8"?>
+<p:sld xmlns:a="http://schemas.openxmlformats.org/drawingml/2006/main" xmlns:r="http://schemas.openxmlformats.org/officeDocument/2006/relationships" xmlns:p="http://schemas.openxmlformats.org/presentationml/2006/main">
+  <p:cSld>
+    <p:spTree>
+      <p:nvGrpSpPr>
+        <p:cNvPr id="1" name=""/>
+        <p:cNvGrpSpPr/>
+        <p:nvPr/>
+      </p:nvGrpSpPr>
+      <p:grpSpPr>
+        <a:xfrm>
+          <a:off x="0" y="0"/>
+          <a:ext cx="0" cy="0"/>
+          <a:chOff x="0" y="0"/>
+          <a:chExt cx="0" cy="0"/>
+        </a:xfrm>
+      </p:grpSpPr>
+      <p:pic>
+        <p:nvPicPr>
+          <p:cNvPr id="5" name="Picture 4"/>
+          <p:cNvPicPr>
+            <a:picLocks noChangeAspect="1"/>
+          </p:cNvPicPr>
+          <p:nvPr/>
+        </p:nvPicPr>
+        <p:blipFill>
+          <a:blip r:embed="rId2"/>
+          <a:stretch>
+            <a:fillRect/>
+          </a:stretch>
+        </p:blipFill>
+        <p:spPr>
+          <a:xfrm>
+            <a:off x="1" y="0"/>
+            <a:ext cx="6336816" cy="3460290"/>
+          </a:xfrm>
+          <a:prstGeom prst="rect">
+            <a:avLst/>
+          </a:prstGeom>
+        </p:spPr>
+      </p:pic>
+      <p:pic>
+        <p:nvPicPr>
+          <p:cNvPr id="8" name="Picture 7"/>
+          <p:cNvPicPr>
+            <a:picLocks noChangeAspect="1"/>
+          </p:cNvPicPr>
+          <p:nvPr/>
+        </p:nvPicPr>
+        <p:blipFill>
+          <a:blip r:embed="rId3"/>
+          <a:stretch>
+            <a:fillRect/>
+          </a:stretch>
+        </p:blipFill>
+        <p:spPr>
+          <a:xfrm>
+            <a:off x="4509000" y="2982349"/>
+            <a:ext cx="3982125" cy="3875651"/>
+          </a:xfrm>
+          <a:prstGeom prst="rect">
+            <a:avLst/>
+          </a:prstGeom>
+        </p:spPr>
+      </p:pic>
+      <p:pic>
+        <p:nvPicPr>
+          <p:cNvPr id="10" name="Picture 9"/>
+          <p:cNvPicPr>
+            <a:picLocks noChangeAspect="1"/>
+          </p:cNvPicPr>
+          <p:nvPr/>
+        </p:nvPicPr>
+        <p:blipFill>
+          <a:blip r:embed="rId4"/>
+          <a:stretch>
+            <a:fillRect/>
+          </a:stretch>
+        </p:blipFill>
+        <p:spPr>
+          <a:xfrm>
+            <a:off x="2071062" y="2982349"/>
+            <a:ext cx="1917700" cy="1079500"/>
+          </a:xfrm>
+          <a:prstGeom prst="rect">
+            <a:avLst/>
+          </a:prstGeom>
+        </p:spPr>
+      </p:pic>
+      <p:pic>
+        <p:nvPicPr>
+          <p:cNvPr id="11" name="Picture 10"/>
+          <p:cNvPicPr>
+            <a:picLocks noChangeAspect="1"/>
+          </p:cNvPicPr>
+          <p:nvPr/>
+        </p:nvPicPr>
+        <p:blipFill>
+          <a:blip r:embed="rId5"/>
+          <a:stretch>
+            <a:fillRect/>
+          </a:stretch>
+        </p:blipFill>
+        <p:spPr>
+          <a:xfrm>
+            <a:off x="2071062" y="4061849"/>
+            <a:ext cx="1955800" cy="1079500"/>
+          </a:xfrm>
+          <a:prstGeom prst="rect">
+            <a:avLst/>
+          </a:prstGeom>
+        </p:spPr>
+      </p:pic>
+    </p:spTree>
+  </p:cSld>
+  <p:clrMapOvr>
+    <a:masterClrMapping/>
+  </p:clrMapOvr>
+</p:sld>
+</file>
+
+<file path=ppt/slides/slide12.xml><?xml version="1.0" encoding="utf-8"?>
+<p:sld xmlns:a="http://schemas.openxmlformats.org/drawingml/2006/main" xmlns:r="http://schemas.openxmlformats.org/officeDocument/2006/relationships" xmlns:p="http://schemas.openxmlformats.org/presentationml/2006/main">
+  <p:cSld>
+    <p:spTree>
+      <p:nvGrpSpPr>
+        <p:cNvPr id="1" name=""/>
+        <p:cNvGrpSpPr/>
+        <p:nvPr/>
+      </p:nvGrpSpPr>
+      <p:grpSpPr>
+        <a:xfrm>
+          <a:off x="0" y="0"/>
+          <a:ext cx="0" cy="0"/>
+          <a:chOff x="0" y="0"/>
+          <a:chExt cx="0" cy="0"/>
+        </a:xfrm>
+      </p:grpSpPr>
+      <p:sp>
+        <p:nvSpPr>
+          <p:cNvPr id="2" name="Title 1"/>
+          <p:cNvSpPr>
+            <a:spLocks noGrp="1"/>
+          </p:cNvSpPr>
+          <p:nvPr>
+            <p:ph type="title"/>
+          </p:nvPr>
+        </p:nvSpPr>
+        <p:spPr/>
+        <p:txBody>
+          <a:bodyPr/>
+          <a:lstStyle/>
+          <a:p>
+            <a:endParaRPr lang="en-US"/>
+          </a:p>
+        </p:txBody>
+      </p:sp>
+      <p:sp>
+        <p:nvSpPr>
+          <p:cNvPr id="3" name="Content Placeholder 2"/>
+          <p:cNvSpPr>
+            <a:spLocks noGrp="1"/>
+          </p:cNvSpPr>
+          <p:nvPr>
+            <p:ph idx="1"/>
+          </p:nvPr>
+        </p:nvSpPr>
+        <p:spPr/>
+        <p:txBody>
+          <a:bodyPr/>
+          <a:lstStyle/>
+          <a:p>
+            <a:endParaRPr lang="en-US"/>
+          </a:p>
+        </p:txBody>
+      </p:sp>
+      <p:pic>
+        <p:nvPicPr>
+          <p:cNvPr id="4" name="Picture 3"/>
+          <p:cNvPicPr>
+            <a:picLocks noChangeAspect="1"/>
+          </p:cNvPicPr>
+          <p:nvPr/>
+        </p:nvPicPr>
+        <p:blipFill>
+          <a:blip r:embed="rId2"/>
+          <a:stretch>
+            <a:fillRect/>
+          </a:stretch>
+        </p:blipFill>
+        <p:spPr>
+          <a:xfrm>
+            <a:off x="197920" y="0"/>
+            <a:ext cx="8803531" cy="6858000"/>
+          </a:xfrm>
+          <a:prstGeom prst="rect">
+            <a:avLst/>
+          </a:prstGeom>
+        </p:spPr>
+      </p:pic>
+      <p:sp>
+        <p:nvSpPr>
+          <p:cNvPr id="5" name="Rectangle 4"/>
+          <p:cNvSpPr/>
+          <p:nvPr/>
+        </p:nvSpPr>
+        <p:spPr>
+          <a:xfrm>
+            <a:off x="7256637" y="5260932"/>
+            <a:ext cx="1744814" cy="646331"/>
+          </a:xfrm>
+          <a:prstGeom prst="rect">
+            <a:avLst/>
+          </a:prstGeom>
+        </p:spPr>
+        <p:txBody>
+          <a:bodyPr wrap="none">
+            <a:spAutoFit/>
+          </a:bodyPr>
+          <a:lstStyle/>
+          <a:p>
+            <a:r>
+              <a:rPr lang="en-US"/>
+              <a:t>Courtesy: </a:t>
+            </a:r>
+          </a:p>
+          <a:p>
+            <a:r>
+              <a:rPr lang="en-US"/>
+              <a:t>Geraint Vaughan</a:t>
+            </a:r>
+          </a:p>
+        </p:txBody>
+      </p:sp>
+    </p:spTree>
+  </p:cSld>
+  <p:clrMapOvr>
+    <a:masterClrMapping/>
+  </p:clrMapOvr>
+</p:sld>
+</file>
+
+<file path=ppt/slides/slide13.xml><?xml version="1.0" encoding="utf-8"?>
 <p:sld xmlns:a="http://schemas.openxmlformats.org/drawingml/2006/main" xmlns:r="http://schemas.openxmlformats.org/officeDocument/2006/relationships" xmlns:p="http://schemas.openxmlformats.org/presentationml/2006/main">
   <p:cSld>
     <p:spTree>
@@ -6697,7 +7033,7 @@
 </p:sld>
 </file>
 
-<file path=ppt/slides/slide11.xml><?xml version="1.0" encoding="utf-8"?>
+<file path=ppt/slides/slide14.xml><?xml version="1.0" encoding="utf-8"?>
 <p:sld xmlns:a="http://schemas.openxmlformats.org/drawingml/2006/main" xmlns:r="http://schemas.openxmlformats.org/officeDocument/2006/relationships" xmlns:p="http://schemas.openxmlformats.org/presentationml/2006/main">
   <p:cSld>
     <p:spTree>
@@ -6908,7 +7244,7 @@
 </p:sld>
 </file>
 
-<file path=ppt/slides/slide12.xml><?xml version="1.0" encoding="utf-8"?>
+<file path=ppt/slides/slide15.xml><?xml version="1.0" encoding="utf-8"?>
 <p:sld xmlns:a="http://schemas.openxmlformats.org/drawingml/2006/main" xmlns:r="http://schemas.openxmlformats.org/officeDocument/2006/relationships" xmlns:p="http://schemas.openxmlformats.org/presentationml/2006/main">
   <p:cSld>
     <p:spTree>
@@ -7099,7 +7435,7 @@
 </p:sld>
 </file>
 
-<file path=ppt/slides/slide13.xml><?xml version="1.0" encoding="utf-8"?>
+<file path=ppt/slides/slide16.xml><?xml version="1.0" encoding="utf-8"?>
 <p:sld xmlns:a="http://schemas.openxmlformats.org/drawingml/2006/main" xmlns:r="http://schemas.openxmlformats.org/officeDocument/2006/relationships" xmlns:p="http://schemas.openxmlformats.org/presentationml/2006/main">
   <p:cSld>
     <p:spTree>
@@ -7222,7 +7558,7 @@
 </p:sld>
 </file>
 
-<file path=ppt/slides/slide14.xml><?xml version="1.0" encoding="utf-8"?>
+<file path=ppt/slides/slide17.xml><?xml version="1.0" encoding="utf-8"?>
 <p:sld xmlns:a="http://schemas.openxmlformats.org/drawingml/2006/main" xmlns:r="http://schemas.openxmlformats.org/officeDocument/2006/relationships" xmlns:p="http://schemas.openxmlformats.org/presentationml/2006/main">
   <p:cSld>
     <p:spTree>
@@ -7324,7 +7660,7 @@
 </p:sld>
 </file>
 
-<file path=ppt/slides/slide15.xml><?xml version="1.0" encoding="utf-8"?>
+<file path=ppt/slides/slide18.xml><?xml version="1.0" encoding="utf-8"?>
 <p:sld xmlns:a="http://schemas.openxmlformats.org/drawingml/2006/main" xmlns:r="http://schemas.openxmlformats.org/officeDocument/2006/relationships" xmlns:p="http://schemas.openxmlformats.org/presentationml/2006/main">
   <p:cSld>
     <p:spTree>
@@ -7363,7 +7699,7 @@
           <a:p>
             <a:r>
               <a:rPr lang="en-US"/>
-              <a:t>“Importance” of gravity waves</a:t>
+              <a:t>Importance of gravity waves</a:t>
             </a:r>
           </a:p>
         </p:txBody>
@@ -7549,7 +7885,7 @@
 </p:sld>
 </file>
 
-<file path=ppt/slides/slide16.xml><?xml version="1.0" encoding="utf-8"?>
+<file path=ppt/slides/slide19.xml><?xml version="1.0" encoding="utf-8"?>
 <p:sld xmlns:a="http://schemas.openxmlformats.org/drawingml/2006/main" xmlns:r="http://schemas.openxmlformats.org/officeDocument/2006/relationships" xmlns:p="http://schemas.openxmlformats.org/presentationml/2006/main">
   <p:cSld>
     <p:spTree>
@@ -7588,7 +7924,7 @@
           <a:p>
             <a:r>
               <a:rPr lang="en-US"/>
-              <a:t>“Importance” of gravity waves</a:t>
+              <a:t>Importance of gravity waves</a:t>
             </a:r>
           </a:p>
         </p:txBody>
@@ -7621,7 +7957,19 @@
             </a:pPr>
             <a:r>
               <a:rPr lang="en-US"/>
-              <a:t>Notes: w’T’ = 0 so they don’t carry heat flux vertically </a:t>
+              <a:t>Notes: w’T’ = 0 so </a:t>
+            </a:r>
+            <a:r>
+              <a:rPr lang="en-US">
+                <a:solidFill>
+                  <a:srgbClr val="FF0000"/>
+                </a:solidFill>
+              </a:rPr>
+              <a:t>they don’t carry heat flux vertically</a:t>
+            </a:r>
+            <a:r>
+              <a:rPr lang="en-US"/>
+              <a:t> </a:t>
             </a:r>
           </a:p>
           <a:p>
@@ -7631,7 +7979,7 @@
             </a:pPr>
             <a:r>
               <a:rPr lang="en-US"/>
-              <a:t>often viewed in terms of w field which emphasizes short wavelength and high frequency waves</a:t>
+              <a:t>when viewed in terms of w field, emphasizes short wavelength and high frequency waves</a:t>
             </a:r>
           </a:p>
           <a:p>
@@ -7641,7 +7989,27 @@
             </a:pPr>
             <a:r>
               <a:rPr lang="en-US"/>
-              <a:t>These ideas can almost close off from view another important role for long (hydrostatic) waves: as an adjustment mechanism</a:t>
+              <a:t>These ideas can almost close off from view another important role for </a:t>
+            </a:r>
+            <a:r>
+              <a:rPr lang="en-US">
+                <a:solidFill>
+                  <a:srgbClr val="00B050"/>
+                </a:solidFill>
+              </a:rPr>
+              <a:t>long (hydrostatic)</a:t>
+            </a:r>
+            <a:r>
+              <a:rPr lang="en-US"/>
+              <a:t> waves: as an </a:t>
+            </a:r>
+            <a:r>
+              <a:rPr lang="en-US">
+                <a:solidFill>
+                  <a:srgbClr val="00B050"/>
+                </a:solidFill>
+              </a:rPr>
+              <a:t>adjustment mechanism</a:t>
             </a:r>
           </a:p>
           <a:p>
@@ -7651,7 +8019,15 @@
             </a:pPr>
             <a:r>
               <a:rPr lang="en-US"/>
-              <a:t>carrying heat away from convection horizontally</a:t>
+              <a:t>carrying heat away from convection </a:t>
+            </a:r>
+            <a:r>
+              <a:rPr lang="en-US">
+                <a:solidFill>
+                  <a:srgbClr val="FF0000"/>
+                </a:solidFill>
+              </a:rPr>
+              <a:t>horizontally</a:t>
             </a:r>
           </a:p>
           <a:p>
@@ -7684,7 +8060,115 @@
 </p:sld>
 </file>
 
-<file path=ppt/slides/slide17.xml><?xml version="1.0" encoding="utf-8"?>
+<file path=ppt/slides/slide2.xml><?xml version="1.0" encoding="utf-8"?>
+<p:sld xmlns:a="http://schemas.openxmlformats.org/drawingml/2006/main" xmlns:r="http://schemas.openxmlformats.org/officeDocument/2006/relationships" xmlns:p="http://schemas.openxmlformats.org/presentationml/2006/main">
+  <p:cSld>
+    <p:spTree>
+      <p:nvGrpSpPr>
+        <p:cNvPr id="1" name="">
+          <a:extLst>
+            <a:ext uri="{FF2B5EF4-FFF2-40B4-BE49-F238E27FC236}">
+              <a16:creationId xmlns:a16="http://schemas.microsoft.com/office/drawing/2014/main" id="{E5FEBEE0-5F84-337E-E55E-DB08D04B34D4}"/>
+            </a:ext>
+          </a:extLst>
+        </p:cNvPr>
+        <p:cNvGrpSpPr/>
+        <p:nvPr/>
+      </p:nvGrpSpPr>
+      <p:grpSpPr>
+        <a:xfrm>
+          <a:off x="0" y="0"/>
+          <a:ext cx="0" cy="0"/>
+          <a:chOff x="0" y="0"/>
+          <a:chExt cx="0" cy="0"/>
+        </a:xfrm>
+      </p:grpSpPr>
+      <p:sp>
+        <p:nvSpPr>
+          <p:cNvPr id="2" name="Title 1">
+            <a:extLst>
+              <a:ext uri="{FF2B5EF4-FFF2-40B4-BE49-F238E27FC236}">
+                <a16:creationId xmlns:a16="http://schemas.microsoft.com/office/drawing/2014/main" id="{BD2E2B9F-F0C0-A0F0-6DDB-3C810F0C630E}"/>
+              </a:ext>
+            </a:extLst>
+          </p:cNvPr>
+          <p:cNvSpPr>
+            <a:spLocks noGrp="1"/>
+          </p:cNvSpPr>
+          <p:nvPr>
+            <p:ph type="title"/>
+          </p:nvPr>
+        </p:nvSpPr>
+        <p:spPr>
+          <a:xfrm>
+            <a:off x="457200" y="-1"/>
+            <a:ext cx="8229600" cy="1556951"/>
+          </a:xfrm>
+        </p:spPr>
+        <p:txBody>
+          <a:bodyPr>
+            <a:normAutofit/>
+          </a:bodyPr>
+          <a:lstStyle/>
+          <a:p>
+            <a:r>
+              <a:rPr lang="en-US"/>
+              <a:t>Concept map/survey mid-course</a:t>
+            </a:r>
+            <a:br>
+              <a:rPr lang="en-US"/>
+            </a:br>
+            <a:r>
+              <a:rPr lang="en-US"/>
+              <a:t>The equation sets for</a:t>
+            </a:r>
+          </a:p>
+        </p:txBody>
+      </p:sp>
+      <p:pic>
+        <p:nvPicPr>
+          <p:cNvPr id="3" name="Picture 2" descr="A white board with writing on it&#10;&#10;Description automatically generated">
+            <a:extLst>
+              <a:ext uri="{FF2B5EF4-FFF2-40B4-BE49-F238E27FC236}">
+                <a16:creationId xmlns:a16="http://schemas.microsoft.com/office/drawing/2014/main" id="{B61C0B4A-F99E-C099-8B3E-0AB7D147A8C1}"/>
+              </a:ext>
+            </a:extLst>
+          </p:cNvPr>
+          <p:cNvPicPr>
+            <a:picLocks noChangeAspect="1"/>
+          </p:cNvPicPr>
+          <p:nvPr/>
+        </p:nvPicPr>
+        <p:blipFill>
+          <a:blip r:embed="rId2"/>
+          <a:stretch>
+            <a:fillRect/>
+          </a:stretch>
+        </p:blipFill>
+        <p:spPr>
+          <a:xfrm>
+            <a:off x="0" y="1696845"/>
+            <a:ext cx="9118350" cy="4637511"/>
+          </a:xfrm>
+          <a:prstGeom prst="rect">
+            <a:avLst/>
+          </a:prstGeom>
+        </p:spPr>
+      </p:pic>
+    </p:spTree>
+    <p:extLst>
+      <p:ext uri="{BB962C8B-B14F-4D97-AF65-F5344CB8AC3E}">
+        <p14:creationId xmlns:p14="http://schemas.microsoft.com/office/powerpoint/2010/main" val="1468353555"/>
+      </p:ext>
+    </p:extLst>
+  </p:cSld>
+  <p:clrMapOvr>
+    <a:masterClrMapping/>
+  </p:clrMapOvr>
+</p:sld>
+</file>
+
+<file path=ppt/slides/slide20.xml><?xml version="1.0" encoding="utf-8"?>
 <p:sld xmlns:a="http://schemas.openxmlformats.org/drawingml/2006/main" xmlns:r="http://schemas.openxmlformats.org/officeDocument/2006/relationships" xmlns:p="http://schemas.openxmlformats.org/presentationml/2006/main">
   <p:cSld>
     <p:spTree>
@@ -7718,7 +8202,7 @@
           <a:p>
             <a:r>
               <a:rPr lang="en-US"/>
-              <a:t>“Importance” of gravity waves 2.</a:t>
+              <a:t>Importance of gravity waves 2.</a:t>
             </a:r>
           </a:p>
         </p:txBody>
@@ -7857,7 +8341,7 @@
 </p:sld>
 </file>
 
-<file path=ppt/slides/slide18.xml><?xml version="1.0" encoding="utf-8"?>
+<file path=ppt/slides/slide21.xml><?xml version="1.0" encoding="utf-8"?>
 <p:sld xmlns:a="http://schemas.openxmlformats.org/drawingml/2006/main" xmlns:r="http://schemas.openxmlformats.org/officeDocument/2006/relationships" xmlns:p="http://schemas.openxmlformats.org/presentationml/2006/main">
   <p:cSld>
     <p:spTree>
@@ -8081,7 +8565,7 @@
 </p:sld>
 </file>
 
-<file path=ppt/slides/slide19.xml><?xml version="1.0" encoding="utf-8"?>
+<file path=ppt/slides/slide22.xml><?xml version="1.0" encoding="utf-8"?>
 <p:sld xmlns:a="http://schemas.openxmlformats.org/drawingml/2006/main" xmlns:r="http://schemas.openxmlformats.org/officeDocument/2006/relationships" xmlns:p="http://schemas.openxmlformats.org/presentationml/2006/main">
   <p:cSld>
     <p:spTree>
@@ -8209,102 +8693,7 @@
 </p:sld>
 </file>
 
-<file path=ppt/slides/slide2.xml><?xml version="1.0" encoding="utf-8"?>
-<p:sld xmlns:a="http://schemas.openxmlformats.org/drawingml/2006/main" xmlns:r="http://schemas.openxmlformats.org/officeDocument/2006/relationships" xmlns:p="http://schemas.openxmlformats.org/presentationml/2006/main">
-  <p:cSld>
-    <p:spTree>
-      <p:nvGrpSpPr>
-        <p:cNvPr id="1" name=""/>
-        <p:cNvGrpSpPr/>
-        <p:nvPr/>
-      </p:nvGrpSpPr>
-      <p:grpSpPr>
-        <a:xfrm>
-          <a:off x="0" y="0"/>
-          <a:ext cx="0" cy="0"/>
-          <a:chOff x="0" y="0"/>
-          <a:chExt cx="0" cy="0"/>
-        </a:xfrm>
-      </p:grpSpPr>
-      <p:sp>
-        <p:nvSpPr>
-          <p:cNvPr id="2" name="Title 1">
-            <a:extLst>
-              <a:ext uri="{FF2B5EF4-FFF2-40B4-BE49-F238E27FC236}">
-                <a16:creationId xmlns:a16="http://schemas.microsoft.com/office/drawing/2014/main" id="{EAAFE8A4-EAC3-0953-B9CB-9AB39A0D92A7}"/>
-              </a:ext>
-            </a:extLst>
-          </p:cNvPr>
-          <p:cNvSpPr>
-            <a:spLocks noGrp="1"/>
-          </p:cNvSpPr>
-          <p:nvPr>
-            <p:ph type="title"/>
-          </p:nvPr>
-        </p:nvSpPr>
-        <p:spPr/>
-        <p:txBody>
-          <a:bodyPr/>
-          <a:lstStyle/>
-          <a:p>
-            <a:r>
-              <a:rPr lang="en-US"/>
-              <a:t>This ppt a shorter version of </a:t>
-            </a:r>
-          </a:p>
-        </p:txBody>
-      </p:sp>
-      <p:sp>
-        <p:nvSpPr>
-          <p:cNvPr id="3" name="Content Placeholder 2">
-            <a:extLst>
-              <a:ext uri="{FF2B5EF4-FFF2-40B4-BE49-F238E27FC236}">
-                <a16:creationId xmlns:a16="http://schemas.microsoft.com/office/drawing/2014/main" id="{151B7234-C972-9C8B-82E4-B899C3A62B05}"/>
-              </a:ext>
-            </a:extLst>
-          </p:cNvPr>
-          <p:cNvSpPr>
-            <a:spLocks noGrp="1"/>
-          </p:cNvSpPr>
-          <p:nvPr>
-            <p:ph idx="1"/>
-          </p:nvPr>
-        </p:nvSpPr>
-        <p:spPr/>
-        <p:txBody>
-          <a:bodyPr/>
-          <a:lstStyle/>
-          <a:p>
-            <a:r>
-              <a:rPr lang="en-US">
-                <a:hlinkClick r:id="rId2"/>
-              </a:rPr>
-              <a:t>https://miami.box.com/s/diw2d1gluypougxhjy0f3qj8dra2t0ru</a:t>
-            </a:r>
-            <a:endParaRPr lang="en-US"/>
-          </a:p>
-          <a:p>
-            <a:endParaRPr lang="en-US"/>
-          </a:p>
-          <a:p>
-            <a:endParaRPr lang="en-US"/>
-          </a:p>
-        </p:txBody>
-      </p:sp>
-    </p:spTree>
-    <p:extLst>
-      <p:ext uri="{BB962C8B-B14F-4D97-AF65-F5344CB8AC3E}">
-        <p14:creationId xmlns:p14="http://schemas.microsoft.com/office/powerpoint/2010/main" val="720156633"/>
-      </p:ext>
-    </p:extLst>
-  </p:cSld>
-  <p:clrMapOvr>
-    <a:masterClrMapping/>
-  </p:clrMapOvr>
-</p:sld>
-</file>
-
-<file path=ppt/slides/slide20.xml><?xml version="1.0" encoding="utf-8"?>
+<file path=ppt/slides/slide23.xml><?xml version="1.0" encoding="utf-8"?>
 <p:sld xmlns:a="http://schemas.openxmlformats.org/drawingml/2006/main" xmlns:r="http://schemas.openxmlformats.org/officeDocument/2006/relationships" xmlns:p="http://schemas.openxmlformats.org/presentationml/2006/main">
   <p:cSld>
     <p:spTree>
@@ -8467,7 +8856,7 @@
 </p:sld>
 </file>
 
-<file path=ppt/slides/slide21.xml><?xml version="1.0" encoding="utf-8"?>
+<file path=ppt/slides/slide24.xml><?xml version="1.0" encoding="utf-8"?>
 <p:sld xmlns:a="http://schemas.openxmlformats.org/drawingml/2006/main" xmlns:r="http://schemas.openxmlformats.org/officeDocument/2006/relationships" xmlns:p="http://schemas.openxmlformats.org/presentationml/2006/main">
   <p:cSld>
     <p:spTree>
@@ -8877,7 +9266,7 @@
 </p:sld>
 </file>
 
-<file path=ppt/slides/slide22.xml><?xml version="1.0" encoding="utf-8"?>
+<file path=ppt/slides/slide25.xml><?xml version="1.0" encoding="utf-8"?>
 <p:sld xmlns:a="http://schemas.openxmlformats.org/drawingml/2006/main" xmlns:r="http://schemas.openxmlformats.org/officeDocument/2006/relationships" xmlns:p="http://schemas.openxmlformats.org/presentationml/2006/main">
   <p:cSld>
     <p:spTree>
@@ -8979,7 +9368,7 @@
 </p:sld>
 </file>
 
-<file path=ppt/slides/slide23.xml><?xml version="1.0" encoding="utf-8"?>
+<file path=ppt/slides/slide26.xml><?xml version="1.0" encoding="utf-8"?>
 <p:sld xmlns:a="http://schemas.openxmlformats.org/drawingml/2006/main" xmlns:r="http://schemas.openxmlformats.org/officeDocument/2006/relationships" xmlns:p="http://schemas.openxmlformats.org/presentationml/2006/main">
   <p:cSld>
     <p:spTree>
@@ -10208,7 +10597,7 @@
 </p:sld>
 </file>
 
-<file path=ppt/slides/slide24.xml><?xml version="1.0" encoding="utf-8"?>
+<file path=ppt/slides/slide27.xml><?xml version="1.0" encoding="utf-8"?>
 <p:sld xmlns:a="http://schemas.openxmlformats.org/drawingml/2006/main" xmlns:r="http://schemas.openxmlformats.org/officeDocument/2006/relationships" xmlns:p="http://schemas.openxmlformats.org/presentationml/2006/main">
   <p:cSld>
     <p:spTree>
@@ -16818,7 +17207,7 @@
 </p:sld>
 </file>
 
-<file path=ppt/slides/slide25.xml><?xml version="1.0" encoding="utf-8"?>
+<file path=ppt/slides/slide28.xml><?xml version="1.0" encoding="utf-8"?>
 <p:sld xmlns:a="http://schemas.openxmlformats.org/drawingml/2006/main" xmlns:r="http://schemas.openxmlformats.org/officeDocument/2006/relationships" xmlns:p="http://schemas.openxmlformats.org/presentationml/2006/main">
   <p:cSld>
     <p:spTree>
@@ -21332,7 +21721,7 @@
 </p:sld>
 </file>
 
-<file path=ppt/slides/slide26.xml><?xml version="1.0" encoding="utf-8"?>
+<file path=ppt/slides/slide29.xml><?xml version="1.0" encoding="utf-8"?>
 <p:sld xmlns:a="http://schemas.openxmlformats.org/drawingml/2006/main" xmlns:r="http://schemas.openxmlformats.org/officeDocument/2006/relationships" xmlns:p="http://schemas.openxmlformats.org/presentationml/2006/main">
   <p:cSld>
     <p:spTree>
@@ -24965,7 +25354,80 @@
 </p:sld>
 </file>
 
-<file path=ppt/slides/slide27.xml><?xml version="1.0" encoding="utf-8"?>
+<file path=ppt/slides/slide3.xml><?xml version="1.0" encoding="utf-8"?>
+<p:sld xmlns:a="http://schemas.openxmlformats.org/drawingml/2006/main" xmlns:r="http://schemas.openxmlformats.org/officeDocument/2006/relationships" xmlns:p="http://schemas.openxmlformats.org/presentationml/2006/main">
+  <p:cSld>
+    <p:spTree>
+      <p:nvGrpSpPr>
+        <p:cNvPr id="1" name="">
+          <a:extLst>
+            <a:ext uri="{FF2B5EF4-FFF2-40B4-BE49-F238E27FC236}">
+              <a16:creationId xmlns:a16="http://schemas.microsoft.com/office/drawing/2014/main" id="{DA789F62-90BB-CEB1-A935-61D2835E8FFF}"/>
+            </a:ext>
+          </a:extLst>
+        </p:cNvPr>
+        <p:cNvGrpSpPr/>
+        <p:nvPr/>
+      </p:nvGrpSpPr>
+      <p:grpSpPr>
+        <a:xfrm>
+          <a:off x="0" y="0"/>
+          <a:ext cx="0" cy="0"/>
+          <a:chOff x="0" y="0"/>
+          <a:chExt cx="0" cy="0"/>
+        </a:xfrm>
+      </p:grpSpPr>
+      <p:sp>
+        <p:nvSpPr>
+          <p:cNvPr id="2" name="Title 1">
+            <a:extLst>
+              <a:ext uri="{FF2B5EF4-FFF2-40B4-BE49-F238E27FC236}">
+                <a16:creationId xmlns:a16="http://schemas.microsoft.com/office/drawing/2014/main" id="{511F8060-EC23-122A-D2CE-F3CB5002A166}"/>
+              </a:ext>
+            </a:extLst>
+          </p:cNvPr>
+          <p:cNvSpPr>
+            <a:spLocks noGrp="1"/>
+          </p:cNvSpPr>
+          <p:nvPr>
+            <p:ph type="title"/>
+          </p:nvPr>
+        </p:nvSpPr>
+        <p:spPr/>
+        <p:txBody>
+          <a:bodyPr>
+            <a:normAutofit fontScale="90000"/>
+          </a:bodyPr>
+          <a:lstStyle/>
+          <a:p>
+            <a:r>
+              <a:rPr lang="en-US"/>
+              <a:t>The Boussinesq equations </a:t>
+            </a:r>
+            <a:br>
+              <a:rPr lang="en-US"/>
+            </a:br>
+            <a:r>
+              <a:rPr lang="en-US"/>
+              <a:t>(compared to primitive and anelastic)</a:t>
+            </a:r>
+          </a:p>
+        </p:txBody>
+      </p:sp>
+    </p:spTree>
+    <p:extLst>
+      <p:ext uri="{BB962C8B-B14F-4D97-AF65-F5344CB8AC3E}">
+        <p14:creationId xmlns:p14="http://schemas.microsoft.com/office/powerpoint/2010/main" val="2620635148"/>
+      </p:ext>
+    </p:extLst>
+  </p:cSld>
+  <p:clrMapOvr>
+    <a:masterClrMapping/>
+  </p:clrMapOvr>
+</p:sld>
+</file>
+
+<file path=ppt/slides/slide30.xml><?xml version="1.0" encoding="utf-8"?>
 <p:sld xmlns:a="http://schemas.openxmlformats.org/drawingml/2006/main" xmlns:r="http://schemas.openxmlformats.org/officeDocument/2006/relationships" xmlns:p="http://schemas.openxmlformats.org/presentationml/2006/main">
   <p:cSld>
     <p:spTree>
@@ -30143,7 +30605,7 @@
 </p:sld>
 </file>
 
-<file path=ppt/slides/slide28.xml><?xml version="1.0" encoding="utf-8"?>
+<file path=ppt/slides/slide31.xml><?xml version="1.0" encoding="utf-8"?>
 <p:sld xmlns:a="http://schemas.openxmlformats.org/drawingml/2006/main" xmlns:r="http://schemas.openxmlformats.org/officeDocument/2006/relationships" xmlns:p="http://schemas.openxmlformats.org/presentationml/2006/main">
   <p:cSld>
     <p:spTree>
@@ -43582,7 +44044,7 @@
 </p:sld>
 </file>
 
-<file path=ppt/slides/slide29.xml><?xml version="1.0" encoding="utf-8"?>
+<file path=ppt/slides/slide32.xml><?xml version="1.0" encoding="utf-8"?>
 <p:sld xmlns:a="http://schemas.openxmlformats.org/drawingml/2006/main" xmlns:r="http://schemas.openxmlformats.org/officeDocument/2006/relationships" xmlns:p="http://schemas.openxmlformats.org/presentationml/2006/main">
   <p:cSld>
     <p:spTree>
@@ -43803,134 +44265,7 @@
 </p:sld>
 </file>
 
-<file path=ppt/slides/slide3.xml><?xml version="1.0" encoding="utf-8"?>
-<p:sld xmlns:a="http://schemas.openxmlformats.org/drawingml/2006/main" xmlns:r="http://schemas.openxmlformats.org/officeDocument/2006/relationships" xmlns:p="http://schemas.openxmlformats.org/presentationml/2006/main">
-  <p:cSld>
-    <p:spTree>
-      <p:nvGrpSpPr>
-        <p:cNvPr id="1" name=""/>
-        <p:cNvGrpSpPr/>
-        <p:nvPr/>
-      </p:nvGrpSpPr>
-      <p:grpSpPr>
-        <a:xfrm>
-          <a:off x="0" y="0"/>
-          <a:ext cx="0" cy="0"/>
-          <a:chOff x="0" y="0"/>
-          <a:chExt cx="0" cy="0"/>
-        </a:xfrm>
-      </p:grpSpPr>
-      <p:sp>
-        <p:nvSpPr>
-          <p:cNvPr id="2" name="Title 1">
-            <a:extLst>
-              <a:ext uri="{FF2B5EF4-FFF2-40B4-BE49-F238E27FC236}">
-                <a16:creationId xmlns:a16="http://schemas.microsoft.com/office/drawing/2014/main" id="{7FEDDA43-1493-7C1B-6607-662CCD14843B}"/>
-              </a:ext>
-            </a:extLst>
-          </p:cNvPr>
-          <p:cNvSpPr>
-            <a:spLocks noGrp="1"/>
-          </p:cNvSpPr>
-          <p:nvPr>
-            <p:ph type="title"/>
-          </p:nvPr>
-        </p:nvSpPr>
-        <p:spPr/>
-        <p:txBody>
-          <a:bodyPr/>
-          <a:lstStyle/>
-          <a:p>
-            <a:r>
-              <a:rPr lang="en-US"/>
-              <a:t>Gravity waves as simplest solutions</a:t>
-            </a:r>
-          </a:p>
-        </p:txBody>
-      </p:sp>
-      <p:sp>
-        <p:nvSpPr>
-          <p:cNvPr id="3" name="Content Placeholder 2">
-            <a:extLst>
-              <a:ext uri="{FF2B5EF4-FFF2-40B4-BE49-F238E27FC236}">
-                <a16:creationId xmlns:a16="http://schemas.microsoft.com/office/drawing/2014/main" id="{716B0663-E4D0-2644-3DC4-98A16E5FC0F3}"/>
-              </a:ext>
-            </a:extLst>
-          </p:cNvPr>
-          <p:cNvSpPr>
-            <a:spLocks noGrp="1"/>
-          </p:cNvSpPr>
-          <p:nvPr>
-            <p:ph idx="1"/>
-          </p:nvPr>
-        </p:nvSpPr>
-        <p:spPr/>
-        <p:txBody>
-          <a:bodyPr>
-            <a:normAutofit fontScale="92500" lnSpcReduction="20000"/>
-          </a:bodyPr>
-          <a:lstStyle/>
-          <a:p>
-            <a:r>
-              <a:rPr lang="en-US"/>
-              <a:t>Simplest solutions to stratified fluid eqs </a:t>
-            </a:r>
-          </a:p>
-          <a:p>
-            <a:r>
-              <a:rPr lang="en-US"/>
-              <a:t>involving inescapable, linear terms</a:t>
-            </a:r>
-          </a:p>
-          <a:p>
-            <a:r>
-              <a:rPr lang="en-US"/>
-              <a:t>Everywhere all the time in stratified fluids!</a:t>
-            </a:r>
-          </a:p>
-          <a:p>
-            <a:endParaRPr lang="en-US"/>
-          </a:p>
-          <a:p>
-            <a:r>
-              <a:rPr lang="en-US"/>
-              <a:t>complications (nonlinearity, friction, heating, rugged boundary conditions) are all just “sources and sinks”</a:t>
-            </a:r>
-          </a:p>
-          <a:p>
-            <a:r>
-              <a:rPr lang="en-US"/>
-              <a:t>“propagation” is a form of energy transport</a:t>
-            </a:r>
-          </a:p>
-          <a:p>
-            <a:endParaRPr lang="en-US"/>
-          </a:p>
-          <a:p>
-            <a:r>
-              <a:rPr lang="en-US"/>
-              <a:t>GWs carry a vertical flux of hor. momentum!</a:t>
-            </a:r>
-          </a:p>
-          <a:p>
-            <a:endParaRPr lang="en-US"/>
-          </a:p>
-        </p:txBody>
-      </p:sp>
-    </p:spTree>
-    <p:extLst>
-      <p:ext uri="{BB962C8B-B14F-4D97-AF65-F5344CB8AC3E}">
-        <p14:creationId xmlns:p14="http://schemas.microsoft.com/office/powerpoint/2010/main" val="3700094199"/>
-      </p:ext>
-    </p:extLst>
-  </p:cSld>
-  <p:clrMapOvr>
-    <a:masterClrMapping/>
-  </p:clrMapOvr>
-</p:sld>
-</file>
-
-<file path=ppt/slides/slide30.xml><?xml version="1.0" encoding="utf-8"?>
+<file path=ppt/slides/slide33.xml><?xml version="1.0" encoding="utf-8"?>
 <p:sld xmlns:a="http://schemas.openxmlformats.org/drawingml/2006/main" xmlns:r="http://schemas.openxmlformats.org/officeDocument/2006/relationships" xmlns:p="http://schemas.openxmlformats.org/presentationml/2006/main">
   <p:cSld>
     <p:spTree>
@@ -44142,7 +44477,7 @@
 </p:sld>
 </file>
 
-<file path=ppt/slides/slide31.xml><?xml version="1.0" encoding="utf-8"?>
+<file path=ppt/slides/slide34.xml><?xml version="1.0" encoding="utf-8"?>
 <p:sld xmlns:a="http://schemas.openxmlformats.org/drawingml/2006/main" xmlns:r="http://schemas.openxmlformats.org/officeDocument/2006/relationships" xmlns:p="http://schemas.openxmlformats.org/presentationml/2006/main">
   <p:cSld>
     <p:spTree>
@@ -44659,6 +44994,331 @@
   <p:cSld>
     <p:spTree>
       <p:nvGrpSpPr>
+        <p:cNvPr id="1" name="">
+          <a:extLst>
+            <a:ext uri="{FF2B5EF4-FFF2-40B4-BE49-F238E27FC236}">
+              <a16:creationId xmlns:a16="http://schemas.microsoft.com/office/drawing/2014/main" id="{8C5B5DA6-18D3-12D5-A85F-671357CD3EF6}"/>
+            </a:ext>
+          </a:extLst>
+        </p:cNvPr>
+        <p:cNvGrpSpPr/>
+        <p:nvPr/>
+      </p:nvGrpSpPr>
+      <p:grpSpPr>
+        <a:xfrm>
+          <a:off x="0" y="0"/>
+          <a:ext cx="0" cy="0"/>
+          <a:chOff x="0" y="0"/>
+          <a:chExt cx="0" cy="0"/>
+        </a:xfrm>
+      </p:grpSpPr>
+      <p:sp>
+        <p:nvSpPr>
+          <p:cNvPr id="2" name="Title 1">
+            <a:extLst>
+              <a:ext uri="{FF2B5EF4-FFF2-40B4-BE49-F238E27FC236}">
+                <a16:creationId xmlns:a16="http://schemas.microsoft.com/office/drawing/2014/main" id="{2745BDC5-78AF-40D2-F5C9-13692EE84782}"/>
+              </a:ext>
+            </a:extLst>
+          </p:cNvPr>
+          <p:cNvSpPr>
+            <a:spLocks noGrp="1"/>
+          </p:cNvSpPr>
+          <p:nvPr>
+            <p:ph type="title"/>
+          </p:nvPr>
+        </p:nvSpPr>
+        <p:spPr/>
+        <p:txBody>
+          <a:bodyPr>
+            <a:normAutofit fontScale="90000"/>
+          </a:bodyPr>
+          <a:lstStyle/>
+          <a:p>
+            <a:r>
+              <a:rPr lang="en-US"/>
+              <a:t>The Boussinesq equations </a:t>
+            </a:r>
+            <a:br>
+              <a:rPr lang="en-US"/>
+            </a:br>
+            <a:r>
+              <a:rPr lang="en-US"/>
+              <a:t>(compared to primitive and anelastic)</a:t>
+            </a:r>
+          </a:p>
+        </p:txBody>
+      </p:sp>
+      <p:pic>
+        <p:nvPicPr>
+          <p:cNvPr id="6" name="Picture 5" descr="A white board with writing on it&#10;&#10;Description automatically generated">
+            <a:extLst>
+              <a:ext uri="{FF2B5EF4-FFF2-40B4-BE49-F238E27FC236}">
+                <a16:creationId xmlns:a16="http://schemas.microsoft.com/office/drawing/2014/main" id="{FC8A2C5F-C0FB-9BF6-45E4-54646BC92B79}"/>
+              </a:ext>
+            </a:extLst>
+          </p:cNvPr>
+          <p:cNvPicPr>
+            <a:picLocks noChangeAspect="1"/>
+          </p:cNvPicPr>
+          <p:nvPr/>
+        </p:nvPicPr>
+        <p:blipFill>
+          <a:blip r:embed="rId2"/>
+          <a:stretch>
+            <a:fillRect/>
+          </a:stretch>
+        </p:blipFill>
+        <p:spPr>
+          <a:xfrm>
+            <a:off x="0" y="1733407"/>
+            <a:ext cx="9144000" cy="4063235"/>
+          </a:xfrm>
+          <a:prstGeom prst="rect">
+            <a:avLst/>
+          </a:prstGeom>
+        </p:spPr>
+      </p:pic>
+    </p:spTree>
+    <p:extLst>
+      <p:ext uri="{BB962C8B-B14F-4D97-AF65-F5344CB8AC3E}">
+        <p14:creationId xmlns:p14="http://schemas.microsoft.com/office/powerpoint/2010/main" val="1099863996"/>
+      </p:ext>
+    </p:extLst>
+  </p:cSld>
+  <p:clrMapOvr>
+    <a:masterClrMapping/>
+  </p:clrMapOvr>
+</p:sld>
+</file>
+
+<file path=ppt/slides/slide5.xml><?xml version="1.0" encoding="utf-8"?>
+<p:sld xmlns:a="http://schemas.openxmlformats.org/drawingml/2006/main" xmlns:r="http://schemas.openxmlformats.org/officeDocument/2006/relationships" xmlns:p="http://schemas.openxmlformats.org/presentationml/2006/main">
+  <p:cSld>
+    <p:spTree>
+      <p:nvGrpSpPr>
+        <p:cNvPr id="1" name=""/>
+        <p:cNvGrpSpPr/>
+        <p:nvPr/>
+      </p:nvGrpSpPr>
+      <p:grpSpPr>
+        <a:xfrm>
+          <a:off x="0" y="0"/>
+          <a:ext cx="0" cy="0"/>
+          <a:chOff x="0" y="0"/>
+          <a:chExt cx="0" cy="0"/>
+        </a:xfrm>
+      </p:grpSpPr>
+      <p:sp>
+        <p:nvSpPr>
+          <p:cNvPr id="2" name="Title 1">
+            <a:extLst>
+              <a:ext uri="{FF2B5EF4-FFF2-40B4-BE49-F238E27FC236}">
+                <a16:creationId xmlns:a16="http://schemas.microsoft.com/office/drawing/2014/main" id="{EAAFE8A4-EAC3-0953-B9CB-9AB39A0D92A7}"/>
+              </a:ext>
+            </a:extLst>
+          </p:cNvPr>
+          <p:cNvSpPr>
+            <a:spLocks noGrp="1"/>
+          </p:cNvSpPr>
+          <p:nvPr>
+            <p:ph type="title"/>
+          </p:nvPr>
+        </p:nvSpPr>
+        <p:spPr/>
+        <p:txBody>
+          <a:bodyPr/>
+          <a:lstStyle/>
+          <a:p>
+            <a:r>
+              <a:rPr lang="en-US"/>
+              <a:t>This ppt a shorter version of </a:t>
+            </a:r>
+          </a:p>
+        </p:txBody>
+      </p:sp>
+      <p:sp>
+        <p:nvSpPr>
+          <p:cNvPr id="3" name="Content Placeholder 2">
+            <a:extLst>
+              <a:ext uri="{FF2B5EF4-FFF2-40B4-BE49-F238E27FC236}">
+                <a16:creationId xmlns:a16="http://schemas.microsoft.com/office/drawing/2014/main" id="{151B7234-C972-9C8B-82E4-B899C3A62B05}"/>
+              </a:ext>
+            </a:extLst>
+          </p:cNvPr>
+          <p:cNvSpPr>
+            <a:spLocks noGrp="1"/>
+          </p:cNvSpPr>
+          <p:nvPr>
+            <p:ph idx="1"/>
+          </p:nvPr>
+        </p:nvSpPr>
+        <p:spPr/>
+        <p:txBody>
+          <a:bodyPr/>
+          <a:lstStyle/>
+          <a:p>
+            <a:r>
+              <a:rPr lang="en-US">
+                <a:hlinkClick r:id="rId2"/>
+              </a:rPr>
+              <a:t>https://miami.box.com/s/diw2d1gluypougxhjy0f3qj8dra2t0ru</a:t>
+            </a:r>
+            <a:endParaRPr lang="en-US"/>
+          </a:p>
+          <a:p>
+            <a:endParaRPr lang="en-US"/>
+          </a:p>
+          <a:p>
+            <a:endParaRPr lang="en-US"/>
+          </a:p>
+        </p:txBody>
+      </p:sp>
+    </p:spTree>
+    <p:extLst>
+      <p:ext uri="{BB962C8B-B14F-4D97-AF65-F5344CB8AC3E}">
+        <p14:creationId xmlns:p14="http://schemas.microsoft.com/office/powerpoint/2010/main" val="720156633"/>
+      </p:ext>
+    </p:extLst>
+  </p:cSld>
+  <p:clrMapOvr>
+    <a:masterClrMapping/>
+  </p:clrMapOvr>
+</p:sld>
+</file>
+
+<file path=ppt/slides/slide6.xml><?xml version="1.0" encoding="utf-8"?>
+<p:sld xmlns:a="http://schemas.openxmlformats.org/drawingml/2006/main" xmlns:r="http://schemas.openxmlformats.org/officeDocument/2006/relationships" xmlns:p="http://schemas.openxmlformats.org/presentationml/2006/main">
+  <p:cSld>
+    <p:spTree>
+      <p:nvGrpSpPr>
+        <p:cNvPr id="1" name=""/>
+        <p:cNvGrpSpPr/>
+        <p:nvPr/>
+      </p:nvGrpSpPr>
+      <p:grpSpPr>
+        <a:xfrm>
+          <a:off x="0" y="0"/>
+          <a:ext cx="0" cy="0"/>
+          <a:chOff x="0" y="0"/>
+          <a:chExt cx="0" cy="0"/>
+        </a:xfrm>
+      </p:grpSpPr>
+      <p:sp>
+        <p:nvSpPr>
+          <p:cNvPr id="2" name="Title 1">
+            <a:extLst>
+              <a:ext uri="{FF2B5EF4-FFF2-40B4-BE49-F238E27FC236}">
+                <a16:creationId xmlns:a16="http://schemas.microsoft.com/office/drawing/2014/main" id="{7FEDDA43-1493-7C1B-6607-662CCD14843B}"/>
+              </a:ext>
+            </a:extLst>
+          </p:cNvPr>
+          <p:cNvSpPr>
+            <a:spLocks noGrp="1"/>
+          </p:cNvSpPr>
+          <p:nvPr>
+            <p:ph type="title"/>
+          </p:nvPr>
+        </p:nvSpPr>
+        <p:spPr/>
+        <p:txBody>
+          <a:bodyPr/>
+          <a:lstStyle/>
+          <a:p>
+            <a:r>
+              <a:rPr lang="en-US"/>
+              <a:t>Gravity waves as simplest solutions</a:t>
+            </a:r>
+          </a:p>
+        </p:txBody>
+      </p:sp>
+      <p:sp>
+        <p:nvSpPr>
+          <p:cNvPr id="3" name="Content Placeholder 2">
+            <a:extLst>
+              <a:ext uri="{FF2B5EF4-FFF2-40B4-BE49-F238E27FC236}">
+                <a16:creationId xmlns:a16="http://schemas.microsoft.com/office/drawing/2014/main" id="{716B0663-E4D0-2644-3DC4-98A16E5FC0F3}"/>
+              </a:ext>
+            </a:extLst>
+          </p:cNvPr>
+          <p:cNvSpPr>
+            <a:spLocks noGrp="1"/>
+          </p:cNvSpPr>
+          <p:nvPr>
+            <p:ph idx="1"/>
+          </p:nvPr>
+        </p:nvSpPr>
+        <p:spPr/>
+        <p:txBody>
+          <a:bodyPr>
+            <a:normAutofit fontScale="92500" lnSpcReduction="20000"/>
+          </a:bodyPr>
+          <a:lstStyle/>
+          <a:p>
+            <a:r>
+              <a:rPr lang="en-US"/>
+              <a:t>Simplest solutions to stratified fluid eqs </a:t>
+            </a:r>
+          </a:p>
+          <a:p>
+            <a:r>
+              <a:rPr lang="en-US"/>
+              <a:t>involving inescapable, linear terms</a:t>
+            </a:r>
+          </a:p>
+          <a:p>
+            <a:r>
+              <a:rPr lang="en-US"/>
+              <a:t>Everywhere all the time in stratified fluids!</a:t>
+            </a:r>
+          </a:p>
+          <a:p>
+            <a:endParaRPr lang="en-US"/>
+          </a:p>
+          <a:p>
+            <a:r>
+              <a:rPr lang="en-US"/>
+              <a:t>complications (nonlinearity, friction, heating, rugged boundary conditions) are all just “sources and sinks”</a:t>
+            </a:r>
+          </a:p>
+          <a:p>
+            <a:r>
+              <a:rPr lang="en-US"/>
+              <a:t>“propagation” is a form of energy transport</a:t>
+            </a:r>
+          </a:p>
+          <a:p>
+            <a:endParaRPr lang="en-US"/>
+          </a:p>
+          <a:p>
+            <a:r>
+              <a:rPr lang="en-US"/>
+              <a:t>GWs carry a vertical flux of hor. momentum!</a:t>
+            </a:r>
+          </a:p>
+          <a:p>
+            <a:endParaRPr lang="en-US"/>
+          </a:p>
+        </p:txBody>
+      </p:sp>
+    </p:spTree>
+    <p:extLst>
+      <p:ext uri="{BB962C8B-B14F-4D97-AF65-F5344CB8AC3E}">
+        <p14:creationId xmlns:p14="http://schemas.microsoft.com/office/powerpoint/2010/main" val="3700094199"/>
+      </p:ext>
+    </p:extLst>
+  </p:cSld>
+  <p:clrMapOvr>
+    <a:masterClrMapping/>
+  </p:clrMapOvr>
+</p:sld>
+</file>
+
+<file path=ppt/slides/slide7.xml><?xml version="1.0" encoding="utf-8"?>
+<p:sld xmlns:a="http://schemas.openxmlformats.org/drawingml/2006/main" xmlns:r="http://schemas.openxmlformats.org/officeDocument/2006/relationships" xmlns:p="http://schemas.openxmlformats.org/presentationml/2006/main">
+  <p:cSld>
+    <p:spTree>
+      <p:nvGrpSpPr>
         <p:cNvPr id="1" name=""/>
         <p:cNvGrpSpPr/>
         <p:nvPr/>
@@ -44912,7 +45572,7 @@
 </p:sld>
 </file>
 
-<file path=ppt/slides/slide5.xml><?xml version="1.0" encoding="utf-8"?>
+<file path=ppt/slides/slide8.xml><?xml version="1.0" encoding="utf-8"?>
 <p:sld xmlns:a="http://schemas.openxmlformats.org/drawingml/2006/main" xmlns:r="http://schemas.openxmlformats.org/officeDocument/2006/relationships" xmlns:p="http://schemas.openxmlformats.org/presentationml/2006/main">
   <p:cSld>
     <p:spTree>
@@ -44986,7 +45646,7 @@
         <p:spPr>
           <a:xfrm>
             <a:off x="4405966" y="6197600"/>
-            <a:ext cx="4393008" cy="369332"/>
+            <a:ext cx="4738034" cy="369332"/>
           </a:xfrm>
           <a:prstGeom prst="rect">
             <a:avLst/>
@@ -45005,7 +45665,23 @@
                   <a:srgbClr val="008000"/>
                 </a:solidFill>
               </a:rPr>
-              <a:t>Note: momentum is being fluxed (u’w’ &lt;0)</a:t>
+              <a:t>Note: </a:t>
+            </a:r>
+            <a:r>
+              <a:rPr lang="en-US">
+                <a:solidFill>
+                  <a:srgbClr val="FF0000"/>
+                </a:solidFill>
+              </a:rPr>
+              <a:t>momentum is being fluxed</a:t>
+            </a:r>
+            <a:r>
+              <a:rPr lang="en-US">
+                <a:solidFill>
+                  <a:srgbClr val="008000"/>
+                </a:solidFill>
+              </a:rPr>
+              <a:t> (u’w’ &lt;0 here)</a:t>
             </a:r>
           </a:p>
         </p:txBody>
@@ -45018,7 +45694,7 @@
 </p:sld>
 </file>
 
-<file path=ppt/slides/slide6.xml><?xml version="1.0" encoding="utf-8"?>
+<file path=ppt/slides/slide9.xml><?xml version="1.0" encoding="utf-8"?>
 <p:sld xmlns:a="http://schemas.openxmlformats.org/drawingml/2006/main" xmlns:r="http://schemas.openxmlformats.org/officeDocument/2006/relationships" xmlns:p="http://schemas.openxmlformats.org/presentationml/2006/main">
   <p:cSld>
     <p:spTree>
@@ -45093,7 +45769,15 @@
           <a:p>
             <a:r>
               <a:rPr lang="en-US"/>
-              <a:t>source has a horizontal, vertical size </a:t>
+              <a:t>source has a horizontal, vertical </a:t>
+            </a:r>
+            <a:r>
+              <a:rPr lang="en-US" i="1"/>
+              <a:t>size</a:t>
+            </a:r>
+            <a:r>
+              <a:rPr lang="en-US"/>
+              <a:t> </a:t>
             </a:r>
             <a:r>
               <a:rPr lang="en-US">
@@ -45105,7 +45789,15 @@
           <a:p>
             <a:r>
               <a:rPr lang="en-US"/>
-              <a:t>oscillator has a frequency </a:t>
+              <a:t>oscillator has a </a:t>
+            </a:r>
+            <a:r>
+              <a:rPr lang="en-US" i="1"/>
+              <a:t>frequency</a:t>
+            </a:r>
+            <a:r>
+              <a:rPr lang="en-US"/>
+              <a:t> </a:t>
             </a:r>
             <a:r>
               <a:rPr lang="en-US">
@@ -45137,7 +45829,15 @@
           <a:p>
             <a:r>
               <a:rPr lang="en-US"/>
-              <a:t>moving thing has a velocity c </a:t>
+              <a:t>moving thing has a </a:t>
+            </a:r>
+            <a:r>
+              <a:rPr lang="en-US" i="1"/>
+              <a:t>velocity</a:t>
+            </a:r>
+            <a:r>
+              <a:rPr lang="en-US"/>
+              <a:t> c </a:t>
             </a:r>
             <a:r>
               <a:rPr lang="en-US">
@@ -45213,341 +45913,6 @@
         <p14:creationId xmlns:p14="http://schemas.microsoft.com/office/powerpoint/2010/main" val="2541927673"/>
       </p:ext>
     </p:extLst>
-  </p:cSld>
-  <p:clrMapOvr>
-    <a:masterClrMapping/>
-  </p:clrMapOvr>
-</p:sld>
-</file>
-
-<file path=ppt/slides/slide7.xml><?xml version="1.0" encoding="utf-8"?>
-<p:sld xmlns:a="http://schemas.openxmlformats.org/drawingml/2006/main" xmlns:r="http://schemas.openxmlformats.org/officeDocument/2006/relationships" xmlns:p="http://schemas.openxmlformats.org/presentationml/2006/main">
-  <p:cSld>
-    <p:spTree>
-      <p:nvGrpSpPr>
-        <p:cNvPr id="1" name=""/>
-        <p:cNvGrpSpPr/>
-        <p:nvPr/>
-      </p:nvGrpSpPr>
-      <p:grpSpPr>
-        <a:xfrm>
-          <a:off x="0" y="0"/>
-          <a:ext cx="0" cy="0"/>
-          <a:chOff x="0" y="0"/>
-          <a:chExt cx="0" cy="0"/>
-        </a:xfrm>
-      </p:grpSpPr>
-      <p:sp>
-        <p:nvSpPr>
-          <p:cNvPr id="2" name="Title 1"/>
-          <p:cNvSpPr>
-            <a:spLocks noGrp="1"/>
-          </p:cNvSpPr>
-          <p:nvPr>
-            <p:ph type="title"/>
-          </p:nvPr>
-        </p:nvSpPr>
-        <p:spPr/>
-        <p:txBody>
-          <a:bodyPr/>
-          <a:lstStyle/>
-          <a:p>
-            <a:r>
-              <a:rPr lang="en-US"/>
-              <a:t>Mountain waves</a:t>
-            </a:r>
-          </a:p>
-        </p:txBody>
-      </p:sp>
-      <p:sp>
-        <p:nvSpPr>
-          <p:cNvPr id="3" name="Content Placeholder 2"/>
-          <p:cNvSpPr>
-            <a:spLocks noGrp="1"/>
-          </p:cNvSpPr>
-          <p:nvPr>
-            <p:ph idx="1"/>
-          </p:nvPr>
-        </p:nvSpPr>
-        <p:spPr/>
-        <p:txBody>
-          <a:bodyPr/>
-          <a:lstStyle/>
-          <a:p>
-            <a:r>
-              <a:rPr lang="en-US"/>
-              <a:t>Wind over bumps is a source term. Excites horizontal wavenumber k @ frequency ck</a:t>
-            </a:r>
-          </a:p>
-        </p:txBody>
-      </p:sp>
-      <p:pic>
-        <p:nvPicPr>
-          <p:cNvPr id="4" name="Picture 3"/>
-          <p:cNvPicPr>
-            <a:picLocks noChangeAspect="1"/>
-          </p:cNvPicPr>
-          <p:nvPr/>
-        </p:nvPicPr>
-        <p:blipFill>
-          <a:blip r:embed="rId2"/>
-          <a:stretch>
-            <a:fillRect/>
-          </a:stretch>
-        </p:blipFill>
-        <p:spPr>
-          <a:xfrm>
-            <a:off x="138749" y="2786062"/>
-            <a:ext cx="8866501" cy="4071938"/>
-          </a:xfrm>
-          <a:prstGeom prst="rect">
-            <a:avLst/>
-          </a:prstGeom>
-        </p:spPr>
-      </p:pic>
-    </p:spTree>
-  </p:cSld>
-  <p:clrMapOvr>
-    <a:masterClrMapping/>
-  </p:clrMapOvr>
-</p:sld>
-</file>
-
-<file path=ppt/slides/slide8.xml><?xml version="1.0" encoding="utf-8"?>
-<p:sld xmlns:a="http://schemas.openxmlformats.org/drawingml/2006/main" xmlns:r="http://schemas.openxmlformats.org/officeDocument/2006/relationships" xmlns:p="http://schemas.openxmlformats.org/presentationml/2006/main">
-  <p:cSld>
-    <p:spTree>
-      <p:nvGrpSpPr>
-        <p:cNvPr id="1" name=""/>
-        <p:cNvGrpSpPr/>
-        <p:nvPr/>
-      </p:nvGrpSpPr>
-      <p:grpSpPr>
-        <a:xfrm>
-          <a:off x="0" y="0"/>
-          <a:ext cx="0" cy="0"/>
-          <a:chOff x="0" y="0"/>
-          <a:chExt cx="0" cy="0"/>
-        </a:xfrm>
-      </p:grpSpPr>
-      <p:pic>
-        <p:nvPicPr>
-          <p:cNvPr id="5" name="Picture 4"/>
-          <p:cNvPicPr>
-            <a:picLocks noChangeAspect="1"/>
-          </p:cNvPicPr>
-          <p:nvPr/>
-        </p:nvPicPr>
-        <p:blipFill>
-          <a:blip r:embed="rId2"/>
-          <a:stretch>
-            <a:fillRect/>
-          </a:stretch>
-        </p:blipFill>
-        <p:spPr>
-          <a:xfrm>
-            <a:off x="1" y="0"/>
-            <a:ext cx="6336816" cy="3460290"/>
-          </a:xfrm>
-          <a:prstGeom prst="rect">
-            <a:avLst/>
-          </a:prstGeom>
-        </p:spPr>
-      </p:pic>
-      <p:pic>
-        <p:nvPicPr>
-          <p:cNvPr id="8" name="Picture 7"/>
-          <p:cNvPicPr>
-            <a:picLocks noChangeAspect="1"/>
-          </p:cNvPicPr>
-          <p:nvPr/>
-        </p:nvPicPr>
-        <p:blipFill>
-          <a:blip r:embed="rId3"/>
-          <a:stretch>
-            <a:fillRect/>
-          </a:stretch>
-        </p:blipFill>
-        <p:spPr>
-          <a:xfrm>
-            <a:off x="4509000" y="2982349"/>
-            <a:ext cx="3982125" cy="3875651"/>
-          </a:xfrm>
-          <a:prstGeom prst="rect">
-            <a:avLst/>
-          </a:prstGeom>
-        </p:spPr>
-      </p:pic>
-      <p:pic>
-        <p:nvPicPr>
-          <p:cNvPr id="10" name="Picture 9"/>
-          <p:cNvPicPr>
-            <a:picLocks noChangeAspect="1"/>
-          </p:cNvPicPr>
-          <p:nvPr/>
-        </p:nvPicPr>
-        <p:blipFill>
-          <a:blip r:embed="rId4"/>
-          <a:stretch>
-            <a:fillRect/>
-          </a:stretch>
-        </p:blipFill>
-        <p:spPr>
-          <a:xfrm>
-            <a:off x="2071062" y="2982349"/>
-            <a:ext cx="1917700" cy="1079500"/>
-          </a:xfrm>
-          <a:prstGeom prst="rect">
-            <a:avLst/>
-          </a:prstGeom>
-        </p:spPr>
-      </p:pic>
-      <p:pic>
-        <p:nvPicPr>
-          <p:cNvPr id="11" name="Picture 10"/>
-          <p:cNvPicPr>
-            <a:picLocks noChangeAspect="1"/>
-          </p:cNvPicPr>
-          <p:nvPr/>
-        </p:nvPicPr>
-        <p:blipFill>
-          <a:blip r:embed="rId5"/>
-          <a:stretch>
-            <a:fillRect/>
-          </a:stretch>
-        </p:blipFill>
-        <p:spPr>
-          <a:xfrm>
-            <a:off x="2071062" y="4061849"/>
-            <a:ext cx="1955800" cy="1079500"/>
-          </a:xfrm>
-          <a:prstGeom prst="rect">
-            <a:avLst/>
-          </a:prstGeom>
-        </p:spPr>
-      </p:pic>
-    </p:spTree>
-  </p:cSld>
-  <p:clrMapOvr>
-    <a:masterClrMapping/>
-  </p:clrMapOvr>
-</p:sld>
-</file>
-
-<file path=ppt/slides/slide9.xml><?xml version="1.0" encoding="utf-8"?>
-<p:sld xmlns:a="http://schemas.openxmlformats.org/drawingml/2006/main" xmlns:r="http://schemas.openxmlformats.org/officeDocument/2006/relationships" xmlns:p="http://schemas.openxmlformats.org/presentationml/2006/main">
-  <p:cSld>
-    <p:spTree>
-      <p:nvGrpSpPr>
-        <p:cNvPr id="1" name=""/>
-        <p:cNvGrpSpPr/>
-        <p:nvPr/>
-      </p:nvGrpSpPr>
-      <p:grpSpPr>
-        <a:xfrm>
-          <a:off x="0" y="0"/>
-          <a:ext cx="0" cy="0"/>
-          <a:chOff x="0" y="0"/>
-          <a:chExt cx="0" cy="0"/>
-        </a:xfrm>
-      </p:grpSpPr>
-      <p:sp>
-        <p:nvSpPr>
-          <p:cNvPr id="2" name="Title 1"/>
-          <p:cNvSpPr>
-            <a:spLocks noGrp="1"/>
-          </p:cNvSpPr>
-          <p:nvPr>
-            <p:ph type="title"/>
-          </p:nvPr>
-        </p:nvSpPr>
-        <p:spPr/>
-        <p:txBody>
-          <a:bodyPr/>
-          <a:lstStyle/>
-          <a:p>
-            <a:endParaRPr lang="en-US"/>
-          </a:p>
-        </p:txBody>
-      </p:sp>
-      <p:sp>
-        <p:nvSpPr>
-          <p:cNvPr id="3" name="Content Placeholder 2"/>
-          <p:cNvSpPr>
-            <a:spLocks noGrp="1"/>
-          </p:cNvSpPr>
-          <p:nvPr>
-            <p:ph idx="1"/>
-          </p:nvPr>
-        </p:nvSpPr>
-        <p:spPr/>
-        <p:txBody>
-          <a:bodyPr/>
-          <a:lstStyle/>
-          <a:p>
-            <a:endParaRPr lang="en-US"/>
-          </a:p>
-        </p:txBody>
-      </p:sp>
-      <p:pic>
-        <p:nvPicPr>
-          <p:cNvPr id="4" name="Picture 3"/>
-          <p:cNvPicPr>
-            <a:picLocks noChangeAspect="1"/>
-          </p:cNvPicPr>
-          <p:nvPr/>
-        </p:nvPicPr>
-        <p:blipFill>
-          <a:blip r:embed="rId2"/>
-          <a:stretch>
-            <a:fillRect/>
-          </a:stretch>
-        </p:blipFill>
-        <p:spPr>
-          <a:xfrm>
-            <a:off x="197920" y="0"/>
-            <a:ext cx="8803531" cy="6858000"/>
-          </a:xfrm>
-          <a:prstGeom prst="rect">
-            <a:avLst/>
-          </a:prstGeom>
-        </p:spPr>
-      </p:pic>
-      <p:sp>
-        <p:nvSpPr>
-          <p:cNvPr id="5" name="Rectangle 4"/>
-          <p:cNvSpPr/>
-          <p:nvPr/>
-        </p:nvSpPr>
-        <p:spPr>
-          <a:xfrm>
-            <a:off x="7256637" y="5260932"/>
-            <a:ext cx="1744814" cy="646331"/>
-          </a:xfrm>
-          <a:prstGeom prst="rect">
-            <a:avLst/>
-          </a:prstGeom>
-        </p:spPr>
-        <p:txBody>
-          <a:bodyPr wrap="none">
-            <a:spAutoFit/>
-          </a:bodyPr>
-          <a:lstStyle/>
-          <a:p>
-            <a:r>
-              <a:rPr lang="en-US"/>
-              <a:t>Courtesy: </a:t>
-            </a:r>
-          </a:p>
-          <a:p>
-            <a:r>
-              <a:rPr lang="en-US"/>
-              <a:t>Geraint Vaughan</a:t>
-            </a:r>
-          </a:p>
-        </p:txBody>
-      </p:sp>
-    </p:spTree>
   </p:cSld>
   <p:clrMapOvr>
     <a:masterClrMapping/>
